--- a/CS4273-Introduce to Software Engineering/Slides/Lab 2. Analysis.pptx
+++ b/CS4273-Introduce to Software Engineering/Slides/Lab 2. Analysis.pptx
@@ -220,7 +220,7 @@
           <a:p>
             <a:fld id="{1DF8EB0A-3D88-47AF-8B37-7E6EB8CD0DC9}" type="datetimeFigureOut">
               <a:rPr lang="vi-VN" smtClean="0"/>
-              <a:t>12/06/2022</a:t>
+              <a:t>06/10/2022</a:t>
             </a:fld>
             <a:endParaRPr lang="vi-VN"/>
           </a:p>
@@ -634,7 +634,7 @@
           <a:p>
             <a:fld id="{EB8135D3-0DC7-472E-9E95-8EBB926A0EB6}" type="datetime1">
               <a:rPr lang="vi-VN" smtClean="0"/>
-              <a:t>12/06/2022</a:t>
+              <a:t>06/10/2022</a:t>
             </a:fld>
             <a:endParaRPr lang="vi-VN"/>
           </a:p>
@@ -832,7 +832,7 @@
           <a:p>
             <a:fld id="{8596560B-899E-429A-84F2-41ABFB82A5A9}" type="datetime1">
               <a:rPr lang="vi-VN" smtClean="0"/>
-              <a:t>12/06/2022</a:t>
+              <a:t>06/10/2022</a:t>
             </a:fld>
             <a:endParaRPr lang="vi-VN"/>
           </a:p>
@@ -1040,7 +1040,7 @@
           <a:p>
             <a:fld id="{1709AC3F-2674-49D3-A873-07AA9E5DCF06}" type="datetime1">
               <a:rPr lang="vi-VN" smtClean="0"/>
-              <a:t>12/06/2022</a:t>
+              <a:t>06/10/2022</a:t>
             </a:fld>
             <a:endParaRPr lang="vi-VN"/>
           </a:p>
@@ -1238,7 +1238,7 @@
           <a:p>
             <a:fld id="{6D500D8F-B0AE-4366-9341-7B6F0640C2BE}" type="datetime1">
               <a:rPr lang="vi-VN" smtClean="0"/>
-              <a:t>12/06/2022</a:t>
+              <a:t>06/10/2022</a:t>
             </a:fld>
             <a:endParaRPr lang="vi-VN"/>
           </a:p>
@@ -1513,7 +1513,7 @@
           <a:p>
             <a:fld id="{13C0DA7A-F9FE-4C1E-A471-7C38F755C552}" type="datetime1">
               <a:rPr lang="vi-VN" smtClean="0"/>
-              <a:t>12/06/2022</a:t>
+              <a:t>06/10/2022</a:t>
             </a:fld>
             <a:endParaRPr lang="vi-VN"/>
           </a:p>
@@ -1778,7 +1778,7 @@
           <a:p>
             <a:fld id="{D9A61B5A-4066-4776-A7F8-F246FF6DE426}" type="datetime1">
               <a:rPr lang="vi-VN" smtClean="0"/>
-              <a:t>12/06/2022</a:t>
+              <a:t>06/10/2022</a:t>
             </a:fld>
             <a:endParaRPr lang="vi-VN"/>
           </a:p>
@@ -2190,7 +2190,7 @@
           <a:p>
             <a:fld id="{431C399D-8096-48E3-98E2-6EA85002E14F}" type="datetime1">
               <a:rPr lang="vi-VN" smtClean="0"/>
-              <a:t>12/06/2022</a:t>
+              <a:t>06/10/2022</a:t>
             </a:fld>
             <a:endParaRPr lang="vi-VN"/>
           </a:p>
@@ -2331,7 +2331,7 @@
           <a:p>
             <a:fld id="{F1836DE2-13AF-4AB3-8918-00D6109ABC25}" type="datetime1">
               <a:rPr lang="vi-VN" smtClean="0"/>
-              <a:t>12/06/2022</a:t>
+              <a:t>06/10/2022</a:t>
             </a:fld>
             <a:endParaRPr lang="vi-VN"/>
           </a:p>
@@ -2444,7 +2444,7 @@
           <a:p>
             <a:fld id="{0A8FCF89-8CC3-4338-8ED2-C415082D670C}" type="datetime1">
               <a:rPr lang="vi-VN" smtClean="0"/>
-              <a:t>12/06/2022</a:t>
+              <a:t>06/10/2022</a:t>
             </a:fld>
             <a:endParaRPr lang="vi-VN"/>
           </a:p>
@@ -2755,7 +2755,7 @@
           <a:p>
             <a:fld id="{9B246DAD-E1C2-4AE1-9631-2D4DF36CDBB1}" type="datetime1">
               <a:rPr lang="vi-VN" smtClean="0"/>
-              <a:t>12/06/2022</a:t>
+              <a:t>06/10/2022</a:t>
             </a:fld>
             <a:endParaRPr lang="vi-VN"/>
           </a:p>
@@ -3043,7 +3043,7 @@
           <a:p>
             <a:fld id="{EEC90FF2-7BE5-44CC-AFD7-2A4F808E557C}" type="datetime1">
               <a:rPr lang="vi-VN" smtClean="0"/>
-              <a:t>12/06/2022</a:t>
+              <a:t>06/10/2022</a:t>
             </a:fld>
             <a:endParaRPr lang="vi-VN"/>
           </a:p>
@@ -3284,7 +3284,7 @@
           <a:p>
             <a:fld id="{BE99BEBD-4040-4E3E-861A-483E2C55E883}" type="datetime1">
               <a:rPr lang="vi-VN" smtClean="0"/>
-              <a:t>12/06/2022</a:t>
+              <a:t>06/10/2022</a:t>
             </a:fld>
             <a:endParaRPr lang="vi-VN"/>
           </a:p>

--- a/CS4273-Introduce to Software Engineering/Slides/Lab 2. Analysis.pptx
+++ b/CS4273-Introduce to Software Engineering/Slides/Lab 2. Analysis.pptx
@@ -138,6 +138,178 @@
 </p:presentation>
 </file>
 
+<file path=ppt/ink/ink1.xml><?xml version="1.0" encoding="utf-8"?>
+<inkml:ink xmlns:inkml="http://www.w3.org/2003/InkML">
+  <inkml:definitions>
+    <inkml:context xml:id="ctx0">
+      <inkml:inkSource xml:id="inkSrc0">
+        <inkml:traceFormat>
+          <inkml:channel name="X" type="integer" min="-2.14748E9" max="2.14748E9" units="cm"/>
+          <inkml:channel name="Y" type="integer" min="-2.14748E9" max="2.14748E9" units="cm"/>
+          <inkml:channel name="F" type="integer" max="32767" units="dev"/>
+        </inkml:traceFormat>
+        <inkml:channelProperties>
+          <inkml:channelProperty channel="X" name="resolution" value="1000" units="1/cm"/>
+          <inkml:channelProperty channel="Y" name="resolution" value="1000" units="1/cm"/>
+          <inkml:channelProperty channel="F" name="resolution" value="0" units="1/dev"/>
+        </inkml:channelProperties>
+      </inkml:inkSource>
+      <inkml:timestamp xml:id="ts0" timeString="2022-10-27T06:20:34.760"/>
+    </inkml:context>
+    <inkml:brush xml:id="br0">
+      <inkml:brushProperty name="width" value="0.05" units="cm"/>
+      <inkml:brushProperty name="height" value="0.05" units="cm"/>
+      <inkml:brushProperty name="color" value="#E71224"/>
+    </inkml:brush>
+  </inkml:definitions>
+  <inkml:trace contextRef="#ctx0" brushRef="#br0">1 0 24575,'0'0'-8191</inkml:trace>
+</inkml:ink>
+</file>
+
+<file path=ppt/ink/ink2.xml><?xml version="1.0" encoding="utf-8"?>
+<inkml:ink xmlns:inkml="http://www.w3.org/2003/InkML">
+  <inkml:definitions>
+    <inkml:context xml:id="ctx0">
+      <inkml:inkSource xml:id="inkSrc0">
+        <inkml:traceFormat>
+          <inkml:channel name="X" type="integer" min="-2.14748E9" max="2.14748E9" units="cm"/>
+          <inkml:channel name="Y" type="integer" min="-2.14748E9" max="2.14748E9" units="cm"/>
+          <inkml:channel name="F" type="integer" max="32767" units="dev"/>
+        </inkml:traceFormat>
+        <inkml:channelProperties>
+          <inkml:channelProperty channel="X" name="resolution" value="1000" units="1/cm"/>
+          <inkml:channelProperty channel="Y" name="resolution" value="1000" units="1/cm"/>
+          <inkml:channelProperty channel="F" name="resolution" value="0" units="1/dev"/>
+        </inkml:channelProperties>
+      </inkml:inkSource>
+      <inkml:timestamp xml:id="ts0" timeString="2022-10-27T06:20:47.415"/>
+    </inkml:context>
+    <inkml:brush xml:id="br0">
+      <inkml:brushProperty name="width" value="0.05" units="cm"/>
+      <inkml:brushProperty name="height" value="0.05" units="cm"/>
+      <inkml:brushProperty name="color" value="#E71224"/>
+    </inkml:brush>
+  </inkml:definitions>
+  <inkml:trace contextRef="#ctx0" brushRef="#br0">1 26 24575,'9'-4'0,"0"1"0,0 0 0,1 0 0,-1 1 0,1 1 0,0-1 0,17 1 0,-5 0 0,163-5 0,193 20 0,200 55 0,-392-42 0,-107-16 0,20 4 0,185 4 0,364-21 0,-387 2 0,-208 3 0,-1 2 0,89 21 0,-87-15 0,0-2 0,76 4 0,628-15-1365,-731 2-5461</inkml:trace>
+</inkml:ink>
+</file>
+
+<file path=ppt/ink/ink3.xml><?xml version="1.0" encoding="utf-8"?>
+<inkml:ink xmlns:inkml="http://www.w3.org/2003/InkML">
+  <inkml:definitions>
+    <inkml:context xml:id="ctx0">
+      <inkml:inkSource xml:id="inkSrc0">
+        <inkml:traceFormat>
+          <inkml:channel name="X" type="integer" min="-2.14748E9" max="2.14748E9" units="cm"/>
+          <inkml:channel name="Y" type="integer" min="-2.14748E9" max="2.14748E9" units="cm"/>
+          <inkml:channel name="F" type="integer" max="32767" units="dev"/>
+        </inkml:traceFormat>
+        <inkml:channelProperties>
+          <inkml:channelProperty channel="X" name="resolution" value="1000" units="1/cm"/>
+          <inkml:channelProperty channel="Y" name="resolution" value="1000" units="1/cm"/>
+          <inkml:channelProperty channel="F" name="resolution" value="0" units="1/dev"/>
+        </inkml:channelProperties>
+      </inkml:inkSource>
+      <inkml:timestamp xml:id="ts0" timeString="2022-10-27T06:20:50.384"/>
+    </inkml:context>
+    <inkml:brush xml:id="br0">
+      <inkml:brushProperty name="width" value="0.05" units="cm"/>
+      <inkml:brushProperty name="height" value="0.05" units="cm"/>
+      <inkml:brushProperty name="color" value="#E71224"/>
+    </inkml:brush>
+  </inkml:definitions>
+  <inkml:trace contextRef="#ctx0" brushRef="#br0">0 1 24575,'2912'0'0,"-2851"3"0,-1 3 0,83 18 0,-80-12 0,125 9 0,-75-24 0,-77 1 0,0 0 0,0 3 0,0 1 0,0 1 0,39 9 0,-36 1 0,60 29 0,23 8 0,-97-40 0,-1 2 0,1 0 0,-2 1 0,32 24 0,-32-21 0,0-1 0,1-1 0,0-2 0,31 13 0,-21-13-1365,-8-1-5461</inkml:trace>
+</inkml:ink>
+</file>
+
+<file path=ppt/ink/ink4.xml><?xml version="1.0" encoding="utf-8"?>
+<inkml:ink xmlns:inkml="http://www.w3.org/2003/InkML">
+  <inkml:definitions>
+    <inkml:context xml:id="ctx0">
+      <inkml:inkSource xml:id="inkSrc0">
+        <inkml:traceFormat>
+          <inkml:channel name="X" type="integer" min="-2.14748E9" max="2.14748E9" units="cm"/>
+          <inkml:channel name="Y" type="integer" min="-2.14748E9" max="2.14748E9" units="cm"/>
+          <inkml:channel name="F" type="integer" max="32767" units="dev"/>
+        </inkml:traceFormat>
+        <inkml:channelProperties>
+          <inkml:channelProperty channel="X" name="resolution" value="1000" units="1/cm"/>
+          <inkml:channelProperty channel="Y" name="resolution" value="1000" units="1/cm"/>
+          <inkml:channelProperty channel="F" name="resolution" value="0" units="1/dev"/>
+        </inkml:channelProperties>
+      </inkml:inkSource>
+      <inkml:timestamp xml:id="ts0" timeString="2022-10-27T06:20:58.472"/>
+    </inkml:context>
+    <inkml:brush xml:id="br0">
+      <inkml:brushProperty name="width" value="0.05" units="cm"/>
+      <inkml:brushProperty name="height" value="0.05" units="cm"/>
+      <inkml:brushProperty name="color" value="#E71224"/>
+    </inkml:brush>
+  </inkml:definitions>
+  <inkml:trace contextRef="#ctx0" brushRef="#br0">1 0 24575,'997'0'-1365,"-970"0"-5461</inkml:trace>
+</inkml:ink>
+</file>
+
+<file path=ppt/ink/ink5.xml><?xml version="1.0" encoding="utf-8"?>
+<inkml:ink xmlns:inkml="http://www.w3.org/2003/InkML">
+  <inkml:definitions>
+    <inkml:context xml:id="ctx0">
+      <inkml:inkSource xml:id="inkSrc0">
+        <inkml:traceFormat>
+          <inkml:channel name="X" type="integer" min="-2.14748E9" max="2.14748E9" units="cm"/>
+          <inkml:channel name="Y" type="integer" min="-2.14748E9" max="2.14748E9" units="cm"/>
+          <inkml:channel name="F" type="integer" max="32767" units="dev"/>
+        </inkml:traceFormat>
+        <inkml:channelProperties>
+          <inkml:channelProperty channel="X" name="resolution" value="1000" units="1/cm"/>
+          <inkml:channelProperty channel="Y" name="resolution" value="1000" units="1/cm"/>
+          <inkml:channelProperty channel="F" name="resolution" value="0" units="1/dev"/>
+        </inkml:channelProperties>
+      </inkml:inkSource>
+      <inkml:timestamp xml:id="ts0" timeString="2022-10-27T06:21:00.114"/>
+    </inkml:context>
+    <inkml:brush xml:id="br0">
+      <inkml:brushProperty name="width" value="0.05" units="cm"/>
+      <inkml:brushProperty name="height" value="0.05" units="cm"/>
+      <inkml:brushProperty name="color" value="#E71224"/>
+    </inkml:brush>
+  </inkml:definitions>
+  <inkml:trace contextRef="#ctx0" brushRef="#br0">0 1 24575,'1796'0'0,"-1721"3"0,0 4 0,79 17 0,-2 1 0,-96-18 0,194 31 0,20 4 0,40 9 0,-229-28 0,-53-14 0,1-1 0,35 6 0,-27-10-119,200 31-1127,-188-24-5580</inkml:trace>
+</inkml:ink>
+</file>
+
+<file path=ppt/ink/ink6.xml><?xml version="1.0" encoding="utf-8"?>
+<inkml:ink xmlns:inkml="http://www.w3.org/2003/InkML">
+  <inkml:definitions>
+    <inkml:context xml:id="ctx0">
+      <inkml:inkSource xml:id="inkSrc0">
+        <inkml:traceFormat>
+          <inkml:channel name="X" type="integer" max="2390" units="cm"/>
+          <inkml:channel name="Y" type="integer" max="768" units="cm"/>
+          <inkml:channel name="T" type="integer" max="2.14748E9" units="dev"/>
+        </inkml:traceFormat>
+        <inkml:channelProperties>
+          <inkml:channelProperty channel="X" name="resolution" value="69.47675" units="1/cm"/>
+          <inkml:channelProperty channel="Y" name="resolution" value="39.58763" units="1/cm"/>
+          <inkml:channelProperty channel="T" name="resolution" value="1" units="1/dev"/>
+        </inkml:channelProperties>
+      </inkml:inkSource>
+      <inkml:timestamp xml:id="ts0" timeString="2022-10-27T08:39:47.640"/>
+    </inkml:context>
+    <inkml:brush xml:id="br0">
+      <inkml:brushProperty name="width" value="0.05292" units="cm"/>
+      <inkml:brushProperty name="height" value="0.05292" units="cm"/>
+      <inkml:brushProperty name="color" value="#FF0000"/>
+    </inkml:brush>
+  </inkml:definitions>
+  <inkml:trace contextRef="#ctx0" brushRef="#br0">9887 4366 0,'-159'-40'172,"-79"1"-156,-1-1-1,41 40-15,-1-40 16,80 1-16,-40 39 16,80-40-16,-80 40 15,0 0 1,40-79-16,0 79 16,0 0-16,40 0 15,-40-40-15,-40 40 0,40 0 16,0 0-16,-40-79 15,40 39-15,-1 40 16,1 0-16,40 0 16,0 0-16,39 0 15,0 0-15,-39 0 16,-1 0 15,41 0-15,-1 40-1,0-1-15,1 41 16,39-41 0,0 1-1,0 39-15,0-39 16,0 0-16,0 79 16,0-79-16,0 39 15,0-39 1,0 39-16,0 0 15,0-39 1,39 39-16,1-39 0,-40 0 16,40 0-16,-40-1 15,39 1-15,1-40 16,0 40-16,-1 39 16,1-39-1,40-1-15,-41 1 31,1 0-31,39-40 16,-39 39 0,0 1-16,-1-40 15,41 40-15,-1-40 16,40 39-16,-39 1 16,-1-40-16,1 0 15,39 40-15,0-40 0,-40 0 16,-39 0-16,39 0 15,-39 0-15,0 0 16,-1 0-16,1 0 16,0 0-1,0 0-15,-1 0 16,1 0-16,0 0 16,-1 0-1,1 0-15,0 0 31,-1 0-31,1 0 16,0 0-16,0 0 16,-1 0-1,1 0-15,0 0 16,-1 0 0,1-40-16,0 40 15,0 0 1,39 0-1,-39 0 1,-1 0 0,1 0-1,-40-40-15,40 40 16,-1 0 0,1-39-16,0 39 15,0 0 16,-1-40-31,1 40 16,0 0 0,-1 0-16,1-40 15,0 1 1,-1 39 0,41-40-1,-40 0-15,-40 1 16,39 39-1,1-80 1,0 80 0,-1-39-16,1-1 15,-40 0-15,40 1 16,-40-1 0,40 0-16,-40 0 15,39 40-15,-39-39 16,40-41-1,-40 41 17,0-1 155,0 0-187,0 1 31,0-1-15,0-39 0,0 39-16</inkml:trace>
+  <inkml:trace contextRef="#ctx0" brushRef="#br0" timeOffset="4508.25">15683 6906 0,'0'-40'78,"0"1"-62,0-1-1,0 0 1,0 1-1,0-1 1,0 0 0,0 1-1,0-1-15,0 0 16,0 1 0,0-1 15,0 0-31,0 1 15,-39-1 1,39 0 0,0 1-1,-40 39 1,40-40 0,-40 40-16,40-40 31,-40 40-16,1-40 17,-41 40-17,41 0 1,-1-39-16,0 39 16,1 0-1,-1 0-15,-79 0 16,79 0-1,0-40-15,1 40 16,-41 0 0,40 0-16,1 0 15,-1 0-15,0 0 16,1 0 0,-1 0-1,0 0-15,1 0 16,-41 0-16,40 0 15,1 0-15,-1 0 16,0 0 0,1 0-16,-1 0 15,0 0-15,1 0 16,-41 0-16,40 0 16,1 0-16,-1 0 15,0 0 1,1 0-1,-1 0 1,-39 0 0,39 0-1,0 0-15,0 0 16,-39 0-16,39 0 16,1 0-16,-1 0 15,0 0-15,0 0 16,1 0-16,-41 0 15,41 0-15,-1 0 16,0 0 31,-39 0-31,39 0-1,0 0-15,1 0 31,-1 0 1,0 0-17,1 0 1,-1 40 0,40-1-1,-40-39-15,1 80 16,-1-40-1,40-1-15,-40 41 16,40-41-16,-40-39 16,40 40-16,-39 0 15,39-1 1,-40 41 0,0-1 15,1-39-16,39-1-15,0 1 16,-40 39-16,0-39 16,40 40-1,0-1 1,0-39-16,-40-40 16,40 39-16,0 1 15,0 0 1,0-1-16,0 1 47,40 0-16,0-1-15,0-39-16,-1 0 15,41 40-15,-1-40 16,1 40-1,-41-40-15,1 0 16,0 0-16,39 40 16,40-40-16,-39 0 0,39 0 15,39 0-15,1 39 16,-40-39-16,40 0 16,-40 0-16,0 0 15,40 0-15,-40 0 16,-39 0-16,39 0 15,-79 0-15,39 0 16,-39 0-16,39 0 16,-39 0-16,-1 0 15,1 0 1,0 0-16,0 0 16,-1 0-1,-39-39 16,40 39-31,0 0 16,-40-40 15,39 40-15,-39-40 0,40 0-1,0 40 1,-40-39-1,40-1-15,-1 0 32,-39 1-32,40 39 31,0 0-15,-1-40-16,1 40 15,0-40-15,-1 40 16,1-39-1,0 39 1,0 0-16,-1-40 16,1 40-1,0-40 1,-1 40 15,1-39 141</inkml:trace>
+  <inkml:trace contextRef="#ctx0" brushRef="#br0" timeOffset="12522.4">20765 8136 0,'-39'-39'78,"-1"-41"-78,-40 41 16,41-1-16,-1 0 15,-39 40-15,39-39 16,0 39-16,1-40 31,-1 40-31,0-40 16,0 40 0,-39 0-16,39-39 15,1 39-15,-1-40 16,0 40-16,-39 0 15,-1 0 1,41 0-16,-1-40 0,0 40 31,-39 0-15,39 0 0,-39 0-1,-1 0 1,41 0-16,-41 0 15,41 0 1,-41 0 0,1 0 15,39 0 0,0 0-15,40 40-16,-39 0 31,39-1-15,-40-39-16,40 40 31,-40 0-15,40-1-1,0 1-15,0 0 16,0 39-1,0-39 1,0-1 0,0 1-1,40-40-15,0 80 16,-40-41-16,39 1 16,-39 0-16,40-1 31,0 1 0,-1 0 32,1-1-48,40 1 1,-41 0-1,1-1-15,0 1 16,-1-40-16,41 40 16,39-40-16,-40 40 15,-39-40-15,79 0 16,-40 0-16,1 0 16,-1 0-16,40 0 15,1 0-15,-81 0 16,41 0-16,-41 0 15,1 0-15,0-40 16,39 0-16,-39 40 16,0-40-16,39 1 15,-39-1-15,-1 40 16,41-79-16,-1 39 0,-39 40 16,0-40-16,-40 1 15,39-1 1,1 0-16,0 1 15,-40-41 1,79 40 0,-79-39-1,0 39 17,0 1-32,0-1 15,0-39 1,0 39-16,0 0 15,0 1 1,0-1-16,0 0 16,-40 1-16,40-1 15,-39 40 1,-1-40-16</inkml:trace>
+  <inkml:trace contextRef="#ctx0" brushRef="#br0" timeOffset="14325.25">14810 8375 0,'0'-80'94,"-119"1"-94,39 79 15,-79-40-15,40 0 16,-39 1-16,78-1 16,40 40-16,-79 0 15,0-40-15,40 1 0,39 39 16,0 0-16,-39-40 16,39 40-16,1 0 15,-41 0-15,40 0 16,-79 0-16,80 0 15,-41 0-15,-39 0 16,79 0-16,-39 0 16,39 0-16,1 0 15,-1 0-15,0 0 16,1 0-16,-1 0 16,0 40-1,0-40-15,1 39 16,39 1-1,-40 0 1,0-1-16,40 41 16,0-40-1,0-1 1,0 1-16,0 0 31,0-1-31,0 1 16,0 0-1,0-1 1,0 41-16,0-41 16,40-39-16,-40 80 15,79-40 1,-39 39 0,40-39-1,-1-1-15,-39 1 16,79 0-16,-40-40 15,-39 79-15,79-79 16,-40 40-16,-39-40 16,79 0-16,-39 0 15,-41 0-15,41 79 16,-1-79-16,-39 0 16,39 0-16,-39 0 15,39 0-15,-39 0 16,39 0-1,-39 0-15,0 0 16,0 0-16,79-40 0,-80 1 16,1-1-1,0 40-15,39-40 16,-79 1 0,40-1-16,-40-39 15,40-1 16,-40 41-31,79-41 16,-79 1 0,0-1-16,40 41 15,-40-1-15,0 0 16,0 1-16,39-1 16,-39 0-16,0 1 15,0-41 1,0 40-1,0 1 1,0-1 0,0 0 15,0 1 0</inkml:trace>
+  <inkml:trace contextRef="#ctx0" brushRef="#br0" timeOffset="26920.3">17589 14844 0,'0'-40'78,"-40"-39"-62,-39-1-16,-40 41 15,0-41-15,-80 1 16,80 39-16,-79 0 16,78-39-16,-118 79 0,79-40 15,-39 1-15,118 39 16,-39 0-16,0 0 15,0 0-15,40 0 16,-1 0-16,1 0 16,39 0-16,1 0 15,-1 0 1,-40 0-16,1 0 16,0 0-1,39 0-15,0 0 16,0 0-16,1 0 15,-1 0-15,0 0 16,-39 0-16,0 0 16,39 0-16,-40 39 15,41-39-15,-41 0 16,41 0-16,-41 40 16,41-40-16,-1 0 15,0 0-15,0 0 31,-39 0-31,0 0 16,39 0-16,-39 40 0,-1-40 16,1 39-1,39-39-15,0 0 16,1 0-16,-41 0 16,1 0-16,79 40 15,-80-40-15,1 0 16,39 0-16,1 40 0,-41-40 15,40 0-15,-79 39 16,40-39 0,39 0-16,1 0 15,-41 40-15,40-40 16,1 0-16,-41 80 16,41-80-16,-1 39 0,0-39 15,0 40 1,40 0-1,-39-1-15,-1 1 16,0 39 0,40-39-16,0 39 15,-39-39 1,39 40-16,0-41 16,0 41-16,0-1 15,0 0-15,0-39 16,0 0-16,0 39 15,0-39-15,0 39 16,0-39 0,0-1-1,39-39 1,1 40 0,79-40-16,-39 40 15,39-40-15,0 0 0,40 0 16,-1 0-1,1 0 1,0 0-16,0 0 16,-80 0-16,80 0 15,-79 0-15,39 0 16,0 0-16,0 40 16,-40-40-16,1 0 15,39 0-15,40 0 16,-40 0-16,39 0 0,1 0 15,-40 0-15,1 0 16,38 39-16,-78-39 16,-1 0-16,1 0 15,39 0-15,-40 0 16,0 0-16,41 0 31,-81 0-31,41 0 16,-41 0-16,1 0 15,0 0 1,39 0 0,1 0-1,-41 0-15,1 0 16,0 0-16,39 0 16,-39 0-16,39 0 15,-39 0-15,0 0 16,39 0-16,0 0 15,-39 0 1,0 0 0,0-39-16,-1 39 15,1 0-15,0-40 16,-1 0-16,1 40 16,39-40-16,1 1 15,-40-1 1,-1 40-1,41-40 1,-80 1 0,39-1-1,1 40-15,-40-40 16,40 1 15,-40-1 94,0 0-125,0 1 16,0-1-16,0 0 15,0 1 1,0-1-16,40 0 16,-40 1-16,0-1 15,0 0 1</inkml:trace>
+</inkml:ink>
+</file>
+
 <file path=ppt/notesMasters/notesMaster1.xml><?xml version="1.0" encoding="utf-8"?>
 <p:notesMaster xmlns:a="http://schemas.openxmlformats.org/drawingml/2006/main" xmlns:r="http://schemas.openxmlformats.org/officeDocument/2006/relationships" xmlns:p="http://schemas.openxmlformats.org/presentationml/2006/main">
   <p:cSld>
@@ -220,7 +392,7 @@
           <a:p>
             <a:fld id="{1DF8EB0A-3D88-47AF-8B37-7E6EB8CD0DC9}" type="datetimeFigureOut">
               <a:rPr lang="vi-VN" smtClean="0"/>
-              <a:t>06/10/2022</a:t>
+              <a:t>27/10/2022</a:t>
             </a:fld>
             <a:endParaRPr lang="vi-VN"/>
           </a:p>
@@ -634,7 +806,7 @@
           <a:p>
             <a:fld id="{EB8135D3-0DC7-472E-9E95-8EBB926A0EB6}" type="datetime1">
               <a:rPr lang="vi-VN" smtClean="0"/>
-              <a:t>06/10/2022</a:t>
+              <a:t>27/10/2022</a:t>
             </a:fld>
             <a:endParaRPr lang="vi-VN"/>
           </a:p>
@@ -832,7 +1004,7 @@
           <a:p>
             <a:fld id="{8596560B-899E-429A-84F2-41ABFB82A5A9}" type="datetime1">
               <a:rPr lang="vi-VN" smtClean="0"/>
-              <a:t>06/10/2022</a:t>
+              <a:t>27/10/2022</a:t>
             </a:fld>
             <a:endParaRPr lang="vi-VN"/>
           </a:p>
@@ -1040,7 +1212,7 @@
           <a:p>
             <a:fld id="{1709AC3F-2674-49D3-A873-07AA9E5DCF06}" type="datetime1">
               <a:rPr lang="vi-VN" smtClean="0"/>
-              <a:t>06/10/2022</a:t>
+              <a:t>27/10/2022</a:t>
             </a:fld>
             <a:endParaRPr lang="vi-VN"/>
           </a:p>
@@ -1238,7 +1410,7 @@
           <a:p>
             <a:fld id="{6D500D8F-B0AE-4366-9341-7B6F0640C2BE}" type="datetime1">
               <a:rPr lang="vi-VN" smtClean="0"/>
-              <a:t>06/10/2022</a:t>
+              <a:t>27/10/2022</a:t>
             </a:fld>
             <a:endParaRPr lang="vi-VN"/>
           </a:p>
@@ -1513,7 +1685,7 @@
           <a:p>
             <a:fld id="{13C0DA7A-F9FE-4C1E-A471-7C38F755C552}" type="datetime1">
               <a:rPr lang="vi-VN" smtClean="0"/>
-              <a:t>06/10/2022</a:t>
+              <a:t>27/10/2022</a:t>
             </a:fld>
             <a:endParaRPr lang="vi-VN"/>
           </a:p>
@@ -1778,7 +1950,7 @@
           <a:p>
             <a:fld id="{D9A61B5A-4066-4776-A7F8-F246FF6DE426}" type="datetime1">
               <a:rPr lang="vi-VN" smtClean="0"/>
-              <a:t>06/10/2022</a:t>
+              <a:t>27/10/2022</a:t>
             </a:fld>
             <a:endParaRPr lang="vi-VN"/>
           </a:p>
@@ -2190,7 +2362,7 @@
           <a:p>
             <a:fld id="{431C399D-8096-48E3-98E2-6EA85002E14F}" type="datetime1">
               <a:rPr lang="vi-VN" smtClean="0"/>
-              <a:t>06/10/2022</a:t>
+              <a:t>27/10/2022</a:t>
             </a:fld>
             <a:endParaRPr lang="vi-VN"/>
           </a:p>
@@ -2331,7 +2503,7 @@
           <a:p>
             <a:fld id="{F1836DE2-13AF-4AB3-8918-00D6109ABC25}" type="datetime1">
               <a:rPr lang="vi-VN" smtClean="0"/>
-              <a:t>06/10/2022</a:t>
+              <a:t>27/10/2022</a:t>
             </a:fld>
             <a:endParaRPr lang="vi-VN"/>
           </a:p>
@@ -2444,7 +2616,7 @@
           <a:p>
             <a:fld id="{0A8FCF89-8CC3-4338-8ED2-C415082D670C}" type="datetime1">
               <a:rPr lang="vi-VN" smtClean="0"/>
-              <a:t>06/10/2022</a:t>
+              <a:t>27/10/2022</a:t>
             </a:fld>
             <a:endParaRPr lang="vi-VN"/>
           </a:p>
@@ -2755,7 +2927,7 @@
           <a:p>
             <a:fld id="{9B246DAD-E1C2-4AE1-9631-2D4DF36CDBB1}" type="datetime1">
               <a:rPr lang="vi-VN" smtClean="0"/>
-              <a:t>06/10/2022</a:t>
+              <a:t>27/10/2022</a:t>
             </a:fld>
             <a:endParaRPr lang="vi-VN"/>
           </a:p>
@@ -3043,7 +3215,7 @@
           <a:p>
             <a:fld id="{EEC90FF2-7BE5-44CC-AFD7-2A4F808E557C}" type="datetime1">
               <a:rPr lang="vi-VN" smtClean="0"/>
-              <a:t>06/10/2022</a:t>
+              <a:t>27/10/2022</a:t>
             </a:fld>
             <a:endParaRPr lang="vi-VN"/>
           </a:p>
@@ -3284,7 +3456,7 @@
           <a:p>
             <a:fld id="{BE99BEBD-4040-4E3E-861A-483E2C55E883}" type="datetime1">
               <a:rPr lang="vi-VN" smtClean="0"/>
-              <a:t>06/10/2022</a:t>
+              <a:t>27/10/2022</a:t>
             </a:fld>
             <a:endParaRPr lang="vi-VN"/>
           </a:p>
@@ -8152,7 +8324,7 @@
             </a:pPr>
             <a:r>
               <a:rPr lang="en-US"/>
-              <a:t>The new system must ensure that customers visiting the website can easily select products, view promotions and make purchases. Payment can be made online or in-store. Customers can receive goods at the store or use delivery service.</a:t>
+              <a:t>The new system must ensure the customers visiting the website can easily select products, view promotions and make purchases. Payment can be made online or in-store. Customers can receive goods at the store or use delivery service.</a:t>
             </a:r>
           </a:p>
           <a:p>
@@ -8651,7 +8823,7 @@
         <p:spPr>
           <a:xfrm>
             <a:off x="941803" y="5450583"/>
-            <a:ext cx="1378225" cy="369332"/>
+            <a:ext cx="1378225" cy="646331"/>
           </a:xfrm>
           <a:prstGeom prst="rect">
             <a:avLst/>
@@ -8667,7 +8839,7 @@
             <a:pPr algn="ctr"/>
             <a:r>
               <a:rPr lang="en-US"/>
-              <a:t>Seller</a:t>
+              <a:t>Seller / System</a:t>
             </a:r>
           </a:p>
         </p:txBody>
@@ -14134,14 +14306,14 @@
           <p:nvPr>
             <p:extLst>
               <p:ext uri="{D42A27DB-BD31-4B8C-83A1-F6EECF244321}">
-                <p14:modId xmlns:p14="http://schemas.microsoft.com/office/powerpoint/2010/main" val="327989031"/>
+                <p14:modId xmlns:p14="http://schemas.microsoft.com/office/powerpoint/2010/main" val="2081980061"/>
               </p:ext>
             </p:extLst>
           </p:nvPr>
         </p:nvGraphicFramePr>
         <p:xfrm>
           <a:off x="918818" y="1051736"/>
-          <a:ext cx="10080488" cy="5120287"/>
+          <a:ext cx="10080488" cy="5257040"/>
         </p:xfrm>
         <a:graphic>
           <a:graphicData uri="http://schemas.openxmlformats.org/drawingml/2006/table">
@@ -14705,11 +14877,26 @@
                         </a:rPr>
                         <a:t>Sequence diagram</a:t>
                       </a:r>
-                      <a:endParaRPr lang="vi-VN" sz="2400" b="1">
-                        <a:solidFill>
-                          <a:schemeClr val="tx1"/>
-                        </a:solidFill>
-                      </a:endParaRPr>
+                    </a:p>
+                    <a:p>
+                      <a:r>
+                        <a:rPr lang="en-US" sz="2400">
+                          <a:solidFill>
+                            <a:schemeClr val="tx1"/>
+                          </a:solidFill>
+                        </a:rPr>
+                        <a:t>Class diagram</a:t>
+                      </a:r>
+                    </a:p>
+                    <a:p>
+                      <a:r>
+                        <a:rPr lang="en-US" sz="2400">
+                          <a:solidFill>
+                            <a:schemeClr val="tx1"/>
+                          </a:solidFill>
+                        </a:rPr>
+                        <a:t>Database diagram</a:t>
+                      </a:r>
                     </a:p>
                   </a:txBody>
                   <a:tcPr anchor="ctr">
@@ -14884,26 +15071,6 @@
                   <a:txBody>
                     <a:bodyPr/>
                     <a:lstStyle/>
-                    <a:p>
-                      <a:r>
-                        <a:rPr lang="en-US" sz="2400">
-                          <a:solidFill>
-                            <a:schemeClr val="tx1"/>
-                          </a:solidFill>
-                        </a:rPr>
-                        <a:t>Class diagram</a:t>
-                      </a:r>
-                    </a:p>
-                    <a:p>
-                      <a:r>
-                        <a:rPr lang="en-US" sz="2400">
-                          <a:solidFill>
-                            <a:schemeClr val="tx1"/>
-                          </a:solidFill>
-                        </a:rPr>
-                        <a:t>Database diagram</a:t>
-                      </a:r>
-                    </a:p>
                     <a:p>
                       <a:r>
                         <a:rPr lang="en-US" sz="2400">
@@ -17259,7 +17426,12 @@
             <p:ph idx="1"/>
           </p:nvPr>
         </p:nvSpPr>
-        <p:spPr/>
+        <p:spPr>
+          <a:xfrm>
+            <a:off x="838200" y="1825625"/>
+            <a:ext cx="3756949" cy="4351338"/>
+          </a:xfrm>
+        </p:spPr>
         <p:txBody>
           <a:bodyPr>
             <a:noAutofit/>
@@ -17318,6 +17490,1837 @@
               <a:t>22</a:t>
             </a:fld>
             <a:endParaRPr lang="vi-VN"/>
+          </a:p>
+        </p:txBody>
+      </p:sp>
+      <p:sp>
+        <p:nvSpPr>
+          <p:cNvPr id="5" name="Hình chữ nhật 4">
+            <a:extLst>
+              <a:ext uri="{FF2B5EF4-FFF2-40B4-BE49-F238E27FC236}">
+                <a16:creationId xmlns:a16="http://schemas.microsoft.com/office/drawing/2014/main" id="{5F1D6307-878A-C535-85F1-A7605622C53C}"/>
+              </a:ext>
+            </a:extLst>
+          </p:cNvPr>
+          <p:cNvSpPr/>
+          <p:nvPr/>
+        </p:nvSpPr>
+        <p:spPr>
+          <a:xfrm>
+            <a:off x="6247856" y="372029"/>
+            <a:ext cx="1444487" cy="628442"/>
+          </a:xfrm>
+          <a:prstGeom prst="rect">
+            <a:avLst/>
+          </a:prstGeom>
+          <a:ln>
+            <a:solidFill>
+              <a:schemeClr val="tx1"/>
+            </a:solidFill>
+          </a:ln>
+        </p:spPr>
+        <p:style>
+          <a:lnRef idx="2">
+            <a:schemeClr val="accent6"/>
+          </a:lnRef>
+          <a:fillRef idx="1">
+            <a:schemeClr val="lt1"/>
+          </a:fillRef>
+          <a:effectRef idx="0">
+            <a:schemeClr val="accent6"/>
+          </a:effectRef>
+          <a:fontRef idx="minor">
+            <a:schemeClr val="dk1"/>
+          </a:fontRef>
+        </p:style>
+        <p:txBody>
+          <a:bodyPr rtlCol="0" anchor="ctr"/>
+          <a:lstStyle/>
+          <a:p>
+            <a:pPr algn="ctr"/>
+            <a:r>
+              <a:rPr lang="en-US"/>
+              <a:t>:User</a:t>
+            </a:r>
+            <a:endParaRPr lang="vi-VN"/>
+          </a:p>
+        </p:txBody>
+      </p:sp>
+      <p:sp>
+        <p:nvSpPr>
+          <p:cNvPr id="6" name="Hình chữ nhật 5">
+            <a:extLst>
+              <a:ext uri="{FF2B5EF4-FFF2-40B4-BE49-F238E27FC236}">
+                <a16:creationId xmlns:a16="http://schemas.microsoft.com/office/drawing/2014/main" id="{FFBE2CDA-75BD-7441-509D-EECD3E3294E3}"/>
+              </a:ext>
+            </a:extLst>
+          </p:cNvPr>
+          <p:cNvSpPr/>
+          <p:nvPr/>
+        </p:nvSpPr>
+        <p:spPr>
+          <a:xfrm>
+            <a:off x="8255560" y="372029"/>
+            <a:ext cx="1444487" cy="628442"/>
+          </a:xfrm>
+          <a:prstGeom prst="rect">
+            <a:avLst/>
+          </a:prstGeom>
+          <a:ln>
+            <a:solidFill>
+              <a:schemeClr val="tx1"/>
+            </a:solidFill>
+          </a:ln>
+        </p:spPr>
+        <p:style>
+          <a:lnRef idx="2">
+            <a:schemeClr val="accent6"/>
+          </a:lnRef>
+          <a:fillRef idx="1">
+            <a:schemeClr val="lt1"/>
+          </a:fillRef>
+          <a:effectRef idx="0">
+            <a:schemeClr val="accent6"/>
+          </a:effectRef>
+          <a:fontRef idx="minor">
+            <a:schemeClr val="dk1"/>
+          </a:fontRef>
+        </p:style>
+        <p:txBody>
+          <a:bodyPr rtlCol="0" anchor="ctr"/>
+          <a:lstStyle/>
+          <a:p>
+            <a:pPr algn="ctr"/>
+            <a:r>
+              <a:rPr lang="en-US"/>
+              <a:t>:LoginTab</a:t>
+            </a:r>
+            <a:endParaRPr lang="vi-VN"/>
+          </a:p>
+        </p:txBody>
+      </p:sp>
+      <p:sp>
+        <p:nvSpPr>
+          <p:cNvPr id="7" name="Hình chữ nhật 6">
+            <a:extLst>
+              <a:ext uri="{FF2B5EF4-FFF2-40B4-BE49-F238E27FC236}">
+                <a16:creationId xmlns:a16="http://schemas.microsoft.com/office/drawing/2014/main" id="{7499F6FE-9C3B-8D17-874C-FAF46D5A19AE}"/>
+              </a:ext>
+            </a:extLst>
+          </p:cNvPr>
+          <p:cNvSpPr/>
+          <p:nvPr/>
+        </p:nvSpPr>
+        <p:spPr>
+          <a:xfrm>
+            <a:off x="10233282" y="372029"/>
+            <a:ext cx="1444487" cy="628442"/>
+          </a:xfrm>
+          <a:prstGeom prst="rect">
+            <a:avLst/>
+          </a:prstGeom>
+          <a:ln>
+            <a:solidFill>
+              <a:schemeClr val="tx1"/>
+            </a:solidFill>
+          </a:ln>
+        </p:spPr>
+        <p:style>
+          <a:lnRef idx="2">
+            <a:schemeClr val="accent6"/>
+          </a:lnRef>
+          <a:fillRef idx="1">
+            <a:schemeClr val="lt1"/>
+          </a:fillRef>
+          <a:effectRef idx="0">
+            <a:schemeClr val="accent6"/>
+          </a:effectRef>
+          <a:fontRef idx="minor">
+            <a:schemeClr val="dk1"/>
+          </a:fontRef>
+        </p:style>
+        <p:txBody>
+          <a:bodyPr rtlCol="0" anchor="ctr"/>
+          <a:lstStyle/>
+          <a:p>
+            <a:pPr algn="ctr"/>
+            <a:r>
+              <a:rPr lang="en-US"/>
+              <a:t>:Backend</a:t>
+            </a:r>
+            <a:endParaRPr lang="vi-VN"/>
+          </a:p>
+        </p:txBody>
+      </p:sp>
+      <p:cxnSp>
+        <p:nvCxnSpPr>
+          <p:cNvPr id="8" name="Đường nối Thẳng 7">
+            <a:extLst>
+              <a:ext uri="{FF2B5EF4-FFF2-40B4-BE49-F238E27FC236}">
+                <a16:creationId xmlns:a16="http://schemas.microsoft.com/office/drawing/2014/main" id="{337F1B3A-3AF1-72C2-771C-8C90EC5E4597}"/>
+              </a:ext>
+            </a:extLst>
+          </p:cNvPr>
+          <p:cNvCxnSpPr>
+            <a:cxnSpLocks/>
+            <a:stCxn id="5" idx="2"/>
+          </p:cNvCxnSpPr>
+          <p:nvPr/>
+        </p:nvCxnSpPr>
+        <p:spPr>
+          <a:xfrm>
+            <a:off x="6970100" y="1000471"/>
+            <a:ext cx="0" cy="5202517"/>
+          </a:xfrm>
+          <a:prstGeom prst="line">
+            <a:avLst/>
+          </a:prstGeom>
+          <a:ln w="12700">
+            <a:solidFill>
+              <a:schemeClr val="tx1"/>
+            </a:solidFill>
+            <a:prstDash val="lgDash"/>
+          </a:ln>
+        </p:spPr>
+        <p:style>
+          <a:lnRef idx="1">
+            <a:schemeClr val="accent1"/>
+          </a:lnRef>
+          <a:fillRef idx="0">
+            <a:schemeClr val="accent1"/>
+          </a:fillRef>
+          <a:effectRef idx="0">
+            <a:schemeClr val="accent1"/>
+          </a:effectRef>
+          <a:fontRef idx="minor">
+            <a:schemeClr val="tx1"/>
+          </a:fontRef>
+        </p:style>
+      </p:cxnSp>
+      <p:cxnSp>
+        <p:nvCxnSpPr>
+          <p:cNvPr id="9" name="Đường nối Thẳng 8">
+            <a:extLst>
+              <a:ext uri="{FF2B5EF4-FFF2-40B4-BE49-F238E27FC236}">
+                <a16:creationId xmlns:a16="http://schemas.microsoft.com/office/drawing/2014/main" id="{610ECB0C-6714-5D71-055E-D23BA2701EF1}"/>
+              </a:ext>
+            </a:extLst>
+          </p:cNvPr>
+          <p:cNvCxnSpPr>
+            <a:cxnSpLocks/>
+            <a:stCxn id="6" idx="2"/>
+          </p:cNvCxnSpPr>
+          <p:nvPr/>
+        </p:nvCxnSpPr>
+        <p:spPr>
+          <a:xfrm>
+            <a:off x="8977804" y="1000471"/>
+            <a:ext cx="0" cy="5202517"/>
+          </a:xfrm>
+          <a:prstGeom prst="line">
+            <a:avLst/>
+          </a:prstGeom>
+          <a:ln w="12700">
+            <a:solidFill>
+              <a:schemeClr val="tx1"/>
+            </a:solidFill>
+            <a:prstDash val="lgDash"/>
+          </a:ln>
+        </p:spPr>
+        <p:style>
+          <a:lnRef idx="1">
+            <a:schemeClr val="accent1"/>
+          </a:lnRef>
+          <a:fillRef idx="0">
+            <a:schemeClr val="accent1"/>
+          </a:fillRef>
+          <a:effectRef idx="0">
+            <a:schemeClr val="accent1"/>
+          </a:effectRef>
+          <a:fontRef idx="minor">
+            <a:schemeClr val="tx1"/>
+          </a:fontRef>
+        </p:style>
+      </p:cxnSp>
+      <p:cxnSp>
+        <p:nvCxnSpPr>
+          <p:cNvPr id="10" name="Đường nối Thẳng 9">
+            <a:extLst>
+              <a:ext uri="{FF2B5EF4-FFF2-40B4-BE49-F238E27FC236}">
+                <a16:creationId xmlns:a16="http://schemas.microsoft.com/office/drawing/2014/main" id="{1E998E8A-C10F-A612-CE9D-432963633D9A}"/>
+              </a:ext>
+            </a:extLst>
+          </p:cNvPr>
+          <p:cNvCxnSpPr>
+            <a:cxnSpLocks/>
+            <a:stCxn id="7" idx="2"/>
+          </p:cNvCxnSpPr>
+          <p:nvPr/>
+        </p:nvCxnSpPr>
+        <p:spPr>
+          <a:xfrm flipH="1">
+            <a:off x="10955525" y="1000471"/>
+            <a:ext cx="1" cy="2211318"/>
+          </a:xfrm>
+          <a:prstGeom prst="line">
+            <a:avLst/>
+          </a:prstGeom>
+          <a:ln w="12700">
+            <a:solidFill>
+              <a:schemeClr val="tx1"/>
+            </a:solidFill>
+            <a:prstDash val="lgDash"/>
+          </a:ln>
+        </p:spPr>
+        <p:style>
+          <a:lnRef idx="1">
+            <a:schemeClr val="accent1"/>
+          </a:lnRef>
+          <a:fillRef idx="0">
+            <a:schemeClr val="accent1"/>
+          </a:fillRef>
+          <a:effectRef idx="0">
+            <a:schemeClr val="accent1"/>
+          </a:effectRef>
+          <a:fontRef idx="minor">
+            <a:schemeClr val="tx1"/>
+          </a:fontRef>
+        </p:style>
+      </p:cxnSp>
+      <p:cxnSp>
+        <p:nvCxnSpPr>
+          <p:cNvPr id="11" name="Đường kết nối Mũi tên Thẳng 10">
+            <a:extLst>
+              <a:ext uri="{FF2B5EF4-FFF2-40B4-BE49-F238E27FC236}">
+                <a16:creationId xmlns:a16="http://schemas.microsoft.com/office/drawing/2014/main" id="{88BCD243-1AD3-59A6-EB12-8FE5CF7A945C}"/>
+              </a:ext>
+            </a:extLst>
+          </p:cNvPr>
+          <p:cNvCxnSpPr/>
+          <p:nvPr/>
+        </p:nvCxnSpPr>
+        <p:spPr>
+          <a:xfrm>
+            <a:off x="7175504" y="1649828"/>
+            <a:ext cx="1596893" cy="0"/>
+          </a:xfrm>
+          <a:prstGeom prst="straightConnector1">
+            <a:avLst/>
+          </a:prstGeom>
+          <a:ln>
+            <a:tailEnd type="triangle"/>
+          </a:ln>
+        </p:spPr>
+        <p:style>
+          <a:lnRef idx="1">
+            <a:schemeClr val="accent1"/>
+          </a:lnRef>
+          <a:fillRef idx="0">
+            <a:schemeClr val="accent1"/>
+          </a:fillRef>
+          <a:effectRef idx="0">
+            <a:schemeClr val="accent1"/>
+          </a:effectRef>
+          <a:fontRef idx="minor">
+            <a:schemeClr val="tx1"/>
+          </a:fontRef>
+        </p:style>
+      </p:cxnSp>
+      <p:sp>
+        <p:nvSpPr>
+          <p:cNvPr id="12" name="Hình chữ nhật 11">
+            <a:extLst>
+              <a:ext uri="{FF2B5EF4-FFF2-40B4-BE49-F238E27FC236}">
+                <a16:creationId xmlns:a16="http://schemas.microsoft.com/office/drawing/2014/main" id="{3406CBF1-266A-6C6F-7728-899F5DD21D8D}"/>
+              </a:ext>
+            </a:extLst>
+          </p:cNvPr>
+          <p:cNvSpPr/>
+          <p:nvPr/>
+        </p:nvSpPr>
+        <p:spPr>
+          <a:xfrm>
+            <a:off x="7354406" y="1424541"/>
+            <a:ext cx="1212585" cy="460511"/>
+          </a:xfrm>
+          <a:prstGeom prst="rect">
+            <a:avLst/>
+          </a:prstGeom>
+          <a:solidFill>
+            <a:schemeClr val="bg1"/>
+          </a:solidFill>
+          <a:ln>
+            <a:noFill/>
+          </a:ln>
+        </p:spPr>
+        <p:style>
+          <a:lnRef idx="2">
+            <a:schemeClr val="accent1">
+              <a:shade val="50000"/>
+            </a:schemeClr>
+          </a:lnRef>
+          <a:fillRef idx="1">
+            <a:schemeClr val="accent1"/>
+          </a:fillRef>
+          <a:effectRef idx="0">
+            <a:schemeClr val="accent1"/>
+          </a:effectRef>
+          <a:fontRef idx="minor">
+            <a:schemeClr val="lt1"/>
+          </a:fontRef>
+        </p:style>
+        <p:txBody>
+          <a:bodyPr rtlCol="0" anchor="ctr"/>
+          <a:lstStyle/>
+          <a:p>
+            <a:pPr algn="ctr"/>
+            <a:r>
+              <a:rPr lang="en-US" sz="1400">
+                <a:solidFill>
+                  <a:schemeClr val="tx1"/>
+                </a:solidFill>
+              </a:rPr>
+              <a:t>1. Enter username / pass</a:t>
+            </a:r>
+            <a:endParaRPr lang="vi-VN" sz="1400">
+              <a:solidFill>
+                <a:schemeClr val="tx1"/>
+              </a:solidFill>
+            </a:endParaRPr>
+          </a:p>
+        </p:txBody>
+      </p:sp>
+      <p:cxnSp>
+        <p:nvCxnSpPr>
+          <p:cNvPr id="13" name="Đường kết nối Mũi tên Thẳng 12">
+            <a:extLst>
+              <a:ext uri="{FF2B5EF4-FFF2-40B4-BE49-F238E27FC236}">
+                <a16:creationId xmlns:a16="http://schemas.microsoft.com/office/drawing/2014/main" id="{789E8308-7B14-2527-D87A-24A2E492F3FB}"/>
+              </a:ext>
+            </a:extLst>
+          </p:cNvPr>
+          <p:cNvCxnSpPr/>
+          <p:nvPr/>
+        </p:nvCxnSpPr>
+        <p:spPr>
+          <a:xfrm>
+            <a:off x="7198528" y="2341220"/>
+            <a:ext cx="1596893" cy="0"/>
+          </a:xfrm>
+          <a:prstGeom prst="straightConnector1">
+            <a:avLst/>
+          </a:prstGeom>
+          <a:ln>
+            <a:tailEnd type="triangle"/>
+          </a:ln>
+        </p:spPr>
+        <p:style>
+          <a:lnRef idx="1">
+            <a:schemeClr val="accent1"/>
+          </a:lnRef>
+          <a:fillRef idx="0">
+            <a:schemeClr val="accent1"/>
+          </a:fillRef>
+          <a:effectRef idx="0">
+            <a:schemeClr val="accent1"/>
+          </a:effectRef>
+          <a:fontRef idx="minor">
+            <a:schemeClr val="tx1"/>
+          </a:fontRef>
+        </p:style>
+      </p:cxnSp>
+      <p:sp>
+        <p:nvSpPr>
+          <p:cNvPr id="14" name="Hình chữ nhật 13">
+            <a:extLst>
+              <a:ext uri="{FF2B5EF4-FFF2-40B4-BE49-F238E27FC236}">
+                <a16:creationId xmlns:a16="http://schemas.microsoft.com/office/drawing/2014/main" id="{E1113B82-188C-E3B8-BE45-786B11A2FA7B}"/>
+              </a:ext>
+            </a:extLst>
+          </p:cNvPr>
+          <p:cNvSpPr/>
+          <p:nvPr/>
+        </p:nvSpPr>
+        <p:spPr>
+          <a:xfrm>
+            <a:off x="7665841" y="2115933"/>
+            <a:ext cx="738638" cy="460511"/>
+          </a:xfrm>
+          <a:prstGeom prst="rect">
+            <a:avLst/>
+          </a:prstGeom>
+          <a:solidFill>
+            <a:schemeClr val="bg1"/>
+          </a:solidFill>
+          <a:ln>
+            <a:noFill/>
+          </a:ln>
+        </p:spPr>
+        <p:style>
+          <a:lnRef idx="2">
+            <a:schemeClr val="accent1">
+              <a:shade val="50000"/>
+            </a:schemeClr>
+          </a:lnRef>
+          <a:fillRef idx="1">
+            <a:schemeClr val="accent1"/>
+          </a:fillRef>
+          <a:effectRef idx="0">
+            <a:schemeClr val="accent1"/>
+          </a:effectRef>
+          <a:fontRef idx="minor">
+            <a:schemeClr val="lt1"/>
+          </a:fontRef>
+        </p:style>
+        <p:txBody>
+          <a:bodyPr rtlCol="0" anchor="ctr"/>
+          <a:lstStyle/>
+          <a:p>
+            <a:pPr algn="ctr"/>
+            <a:r>
+              <a:rPr lang="en-US" sz="1400">
+                <a:solidFill>
+                  <a:schemeClr val="tx1"/>
+                </a:solidFill>
+              </a:rPr>
+              <a:t>2. Login()</a:t>
+            </a:r>
+            <a:endParaRPr lang="vi-VN" sz="1400">
+              <a:solidFill>
+                <a:schemeClr val="tx1"/>
+              </a:solidFill>
+            </a:endParaRPr>
+          </a:p>
+        </p:txBody>
+      </p:sp>
+      <p:cxnSp>
+        <p:nvCxnSpPr>
+          <p:cNvPr id="15" name="Đường kết nối Mũi tên Thẳng 14">
+            <a:extLst>
+              <a:ext uri="{FF2B5EF4-FFF2-40B4-BE49-F238E27FC236}">
+                <a16:creationId xmlns:a16="http://schemas.microsoft.com/office/drawing/2014/main" id="{BD03FDEA-60C2-AF1B-F918-A78AF82BD641}"/>
+              </a:ext>
+            </a:extLst>
+          </p:cNvPr>
+          <p:cNvCxnSpPr>
+            <a:cxnSpLocks/>
+          </p:cNvCxnSpPr>
+          <p:nvPr/>
+        </p:nvCxnSpPr>
+        <p:spPr>
+          <a:xfrm>
+            <a:off x="9019134" y="2591077"/>
+            <a:ext cx="1730982" cy="0"/>
+          </a:xfrm>
+          <a:prstGeom prst="straightConnector1">
+            <a:avLst/>
+          </a:prstGeom>
+          <a:ln>
+            <a:tailEnd type="triangle"/>
+          </a:ln>
+        </p:spPr>
+        <p:style>
+          <a:lnRef idx="1">
+            <a:schemeClr val="accent1"/>
+          </a:lnRef>
+          <a:fillRef idx="0">
+            <a:schemeClr val="accent1"/>
+          </a:fillRef>
+          <a:effectRef idx="0">
+            <a:schemeClr val="accent1"/>
+          </a:effectRef>
+          <a:fontRef idx="minor">
+            <a:schemeClr val="tx1"/>
+          </a:fontRef>
+        </p:style>
+      </p:cxnSp>
+      <p:sp>
+        <p:nvSpPr>
+          <p:cNvPr id="16" name="Hình chữ nhật 15">
+            <a:extLst>
+              <a:ext uri="{FF2B5EF4-FFF2-40B4-BE49-F238E27FC236}">
+                <a16:creationId xmlns:a16="http://schemas.microsoft.com/office/drawing/2014/main" id="{0646E645-4547-C1AA-D101-0D2E66991893}"/>
+              </a:ext>
+            </a:extLst>
+          </p:cNvPr>
+          <p:cNvSpPr/>
+          <p:nvPr/>
+        </p:nvSpPr>
+        <p:spPr>
+          <a:xfrm>
+            <a:off x="9486446" y="2365790"/>
+            <a:ext cx="1081292" cy="441669"/>
+          </a:xfrm>
+          <a:prstGeom prst="rect">
+            <a:avLst/>
+          </a:prstGeom>
+          <a:solidFill>
+            <a:schemeClr val="bg1"/>
+          </a:solidFill>
+          <a:ln>
+            <a:noFill/>
+          </a:ln>
+        </p:spPr>
+        <p:style>
+          <a:lnRef idx="2">
+            <a:schemeClr val="accent1">
+              <a:shade val="50000"/>
+            </a:schemeClr>
+          </a:lnRef>
+          <a:fillRef idx="1">
+            <a:schemeClr val="accent1"/>
+          </a:fillRef>
+          <a:effectRef idx="0">
+            <a:schemeClr val="accent1"/>
+          </a:effectRef>
+          <a:fontRef idx="minor">
+            <a:schemeClr val="lt1"/>
+          </a:fontRef>
+        </p:style>
+        <p:txBody>
+          <a:bodyPr rtlCol="0" anchor="ctr"/>
+          <a:lstStyle/>
+          <a:p>
+            <a:pPr algn="ctr"/>
+            <a:r>
+              <a:rPr lang="en-US" sz="1400">
+                <a:solidFill>
+                  <a:schemeClr val="tx1"/>
+                </a:solidFill>
+              </a:rPr>
+              <a:t>3. Validate()</a:t>
+            </a:r>
+            <a:endParaRPr lang="vi-VN" sz="1400">
+              <a:solidFill>
+                <a:schemeClr val="tx1"/>
+              </a:solidFill>
+            </a:endParaRPr>
+          </a:p>
+        </p:txBody>
+      </p:sp>
+      <p:cxnSp>
+        <p:nvCxnSpPr>
+          <p:cNvPr id="17" name="Đường kết nối Mũi tên Thẳng 16">
+            <a:extLst>
+              <a:ext uri="{FF2B5EF4-FFF2-40B4-BE49-F238E27FC236}">
+                <a16:creationId xmlns:a16="http://schemas.microsoft.com/office/drawing/2014/main" id="{72D8D775-E232-84A2-73E9-62494EF01E5D}"/>
+              </a:ext>
+            </a:extLst>
+          </p:cNvPr>
+          <p:cNvCxnSpPr>
+            <a:cxnSpLocks/>
+          </p:cNvCxnSpPr>
+          <p:nvPr/>
+        </p:nvCxnSpPr>
+        <p:spPr>
+          <a:xfrm flipH="1" flipV="1">
+            <a:off x="9153227" y="2911196"/>
+            <a:ext cx="1596889" cy="8906"/>
+          </a:xfrm>
+          <a:prstGeom prst="straightConnector1">
+            <a:avLst/>
+          </a:prstGeom>
+          <a:ln>
+            <a:prstDash val="dash"/>
+            <a:tailEnd type="triangle"/>
+          </a:ln>
+        </p:spPr>
+        <p:style>
+          <a:lnRef idx="1">
+            <a:schemeClr val="accent1"/>
+          </a:lnRef>
+          <a:fillRef idx="0">
+            <a:schemeClr val="accent1"/>
+          </a:fillRef>
+          <a:effectRef idx="0">
+            <a:schemeClr val="accent1"/>
+          </a:effectRef>
+          <a:fontRef idx="minor">
+            <a:schemeClr val="tx1"/>
+          </a:fontRef>
+        </p:style>
+      </p:cxnSp>
+      <p:sp>
+        <p:nvSpPr>
+          <p:cNvPr id="18" name="Hình chữ nhật 17">
+            <a:extLst>
+              <a:ext uri="{FF2B5EF4-FFF2-40B4-BE49-F238E27FC236}">
+                <a16:creationId xmlns:a16="http://schemas.microsoft.com/office/drawing/2014/main" id="{8B9995AE-BF0B-177A-6962-205E99A4783E}"/>
+              </a:ext>
+            </a:extLst>
+          </p:cNvPr>
+          <p:cNvSpPr/>
+          <p:nvPr/>
+        </p:nvSpPr>
+        <p:spPr>
+          <a:xfrm>
+            <a:off x="9388619" y="2694815"/>
+            <a:ext cx="1128926" cy="441669"/>
+          </a:xfrm>
+          <a:prstGeom prst="rect">
+            <a:avLst/>
+          </a:prstGeom>
+          <a:solidFill>
+            <a:schemeClr val="bg1"/>
+          </a:solidFill>
+          <a:ln>
+            <a:noFill/>
+          </a:ln>
+        </p:spPr>
+        <p:style>
+          <a:lnRef idx="2">
+            <a:schemeClr val="accent1">
+              <a:shade val="50000"/>
+            </a:schemeClr>
+          </a:lnRef>
+          <a:fillRef idx="1">
+            <a:schemeClr val="accent1"/>
+          </a:fillRef>
+          <a:effectRef idx="0">
+            <a:schemeClr val="accent1"/>
+          </a:effectRef>
+          <a:fontRef idx="minor">
+            <a:schemeClr val="lt1"/>
+          </a:fontRef>
+        </p:style>
+        <p:txBody>
+          <a:bodyPr rtlCol="0" anchor="ctr"/>
+          <a:lstStyle/>
+          <a:p>
+            <a:pPr algn="ctr"/>
+            <a:r>
+              <a:rPr lang="en-US" sz="1400">
+                <a:solidFill>
+                  <a:schemeClr val="tx1"/>
+                </a:solidFill>
+              </a:rPr>
+              <a:t>4. Message()</a:t>
+            </a:r>
+            <a:endParaRPr lang="vi-VN" sz="1400">
+              <a:solidFill>
+                <a:schemeClr val="tx1"/>
+              </a:solidFill>
+            </a:endParaRPr>
+          </a:p>
+        </p:txBody>
+      </p:sp>
+      <p:sp>
+        <p:nvSpPr>
+          <p:cNvPr id="19" name="Hình chữ nhật 18">
+            <a:extLst>
+              <a:ext uri="{FF2B5EF4-FFF2-40B4-BE49-F238E27FC236}">
+                <a16:creationId xmlns:a16="http://schemas.microsoft.com/office/drawing/2014/main" id="{7A377249-547C-A663-1088-04471AEE29E5}"/>
+              </a:ext>
+            </a:extLst>
+          </p:cNvPr>
+          <p:cNvSpPr/>
+          <p:nvPr/>
+        </p:nvSpPr>
+        <p:spPr>
+          <a:xfrm>
+            <a:off x="5630924" y="3197587"/>
+            <a:ext cx="6295983" cy="3052227"/>
+          </a:xfrm>
+          <a:prstGeom prst="rect">
+            <a:avLst/>
+          </a:prstGeom>
+          <a:noFill/>
+          <a:ln>
+            <a:solidFill>
+              <a:schemeClr val="tx1"/>
+            </a:solidFill>
+          </a:ln>
+        </p:spPr>
+        <p:style>
+          <a:lnRef idx="2">
+            <a:schemeClr val="accent1">
+              <a:shade val="50000"/>
+            </a:schemeClr>
+          </a:lnRef>
+          <a:fillRef idx="1">
+            <a:schemeClr val="accent1"/>
+          </a:fillRef>
+          <a:effectRef idx="0">
+            <a:schemeClr val="accent1"/>
+          </a:effectRef>
+          <a:fontRef idx="minor">
+            <a:schemeClr val="lt1"/>
+          </a:fontRef>
+        </p:style>
+        <p:txBody>
+          <a:bodyPr rtlCol="0" anchor="ctr"/>
+          <a:lstStyle/>
+          <a:p>
+            <a:pPr algn="ctr"/>
+            <a:endParaRPr lang="vi-VN"/>
+          </a:p>
+        </p:txBody>
+      </p:sp>
+      <p:sp>
+        <p:nvSpPr>
+          <p:cNvPr id="20" name="Hình chữ nhật: Cắt Một Góc 19">
+            <a:extLst>
+              <a:ext uri="{FF2B5EF4-FFF2-40B4-BE49-F238E27FC236}">
+                <a16:creationId xmlns:a16="http://schemas.microsoft.com/office/drawing/2014/main" id="{B400F681-EF84-4D14-3804-6EC6E5900D94}"/>
+              </a:ext>
+            </a:extLst>
+          </p:cNvPr>
+          <p:cNvSpPr/>
+          <p:nvPr/>
+        </p:nvSpPr>
+        <p:spPr>
+          <a:xfrm rot="10800000" flipH="1">
+            <a:off x="5629576" y="3197588"/>
+            <a:ext cx="813749" cy="401479"/>
+          </a:xfrm>
+          <a:prstGeom prst="snip1Rect">
+            <a:avLst/>
+          </a:prstGeom>
+          <a:solidFill>
+            <a:schemeClr val="bg1"/>
+          </a:solidFill>
+          <a:ln>
+            <a:solidFill>
+              <a:schemeClr val="tx1"/>
+            </a:solidFill>
+          </a:ln>
+        </p:spPr>
+        <p:style>
+          <a:lnRef idx="2">
+            <a:schemeClr val="accent1">
+              <a:shade val="50000"/>
+            </a:schemeClr>
+          </a:lnRef>
+          <a:fillRef idx="1">
+            <a:schemeClr val="accent1"/>
+          </a:fillRef>
+          <a:effectRef idx="0">
+            <a:schemeClr val="accent1"/>
+          </a:effectRef>
+          <a:fontRef idx="minor">
+            <a:schemeClr val="lt1"/>
+          </a:fontRef>
+        </p:style>
+        <p:txBody>
+          <a:bodyPr vert="horz" rtlCol="0" anchor="ctr">
+            <a:noAutofit/>
+          </a:bodyPr>
+          <a:lstStyle/>
+          <a:p>
+            <a:pPr algn="ctr"/>
+            <a:endParaRPr lang="vi-VN">
+              <a:solidFill>
+                <a:schemeClr val="tx1"/>
+              </a:solidFill>
+            </a:endParaRPr>
+          </a:p>
+        </p:txBody>
+      </p:sp>
+      <p:sp>
+        <p:nvSpPr>
+          <p:cNvPr id="21" name="Hộp Văn bản 20">
+            <a:extLst>
+              <a:ext uri="{FF2B5EF4-FFF2-40B4-BE49-F238E27FC236}">
+                <a16:creationId xmlns:a16="http://schemas.microsoft.com/office/drawing/2014/main" id="{CD0B8729-ED49-4662-649E-19F1D179498E}"/>
+              </a:ext>
+            </a:extLst>
+          </p:cNvPr>
+          <p:cNvSpPr txBox="1"/>
+          <p:nvPr/>
+        </p:nvSpPr>
+        <p:spPr>
+          <a:xfrm>
+            <a:off x="5819815" y="3211789"/>
+            <a:ext cx="679708" cy="369332"/>
+          </a:xfrm>
+          <a:prstGeom prst="rect">
+            <a:avLst/>
+          </a:prstGeom>
+          <a:noFill/>
+        </p:spPr>
+        <p:txBody>
+          <a:bodyPr wrap="square" rtlCol="0">
+            <a:spAutoFit/>
+          </a:bodyPr>
+          <a:lstStyle/>
+          <a:p>
+            <a:r>
+              <a:rPr lang="en-US"/>
+              <a:t>alt</a:t>
+            </a:r>
+            <a:endParaRPr lang="vi-VN"/>
+          </a:p>
+        </p:txBody>
+      </p:sp>
+      <p:sp>
+        <p:nvSpPr>
+          <p:cNvPr id="22" name="Hộp Văn bản 21">
+            <a:extLst>
+              <a:ext uri="{FF2B5EF4-FFF2-40B4-BE49-F238E27FC236}">
+                <a16:creationId xmlns:a16="http://schemas.microsoft.com/office/drawing/2014/main" id="{381ECFAB-86A0-17A7-31C1-2AEF903F8392}"/>
+              </a:ext>
+            </a:extLst>
+          </p:cNvPr>
+          <p:cNvSpPr txBox="1"/>
+          <p:nvPr/>
+        </p:nvSpPr>
+        <p:spPr>
+          <a:xfrm>
+            <a:off x="5693449" y="3659236"/>
+            <a:ext cx="1187687" cy="523220"/>
+          </a:xfrm>
+          <a:prstGeom prst="rect">
+            <a:avLst/>
+          </a:prstGeom>
+          <a:noFill/>
+        </p:spPr>
+        <p:txBody>
+          <a:bodyPr wrap="square" rtlCol="0">
+            <a:spAutoFit/>
+          </a:bodyPr>
+          <a:lstStyle/>
+          <a:p>
+            <a:r>
+              <a:rPr lang="en-US" sz="1400"/>
+              <a:t>[If Message() is Success]</a:t>
+            </a:r>
+            <a:endParaRPr lang="vi-VN" sz="1400"/>
+          </a:p>
+        </p:txBody>
+      </p:sp>
+      <p:sp>
+        <p:nvSpPr>
+          <p:cNvPr id="23" name="Hộp Văn bản 22">
+            <a:extLst>
+              <a:ext uri="{FF2B5EF4-FFF2-40B4-BE49-F238E27FC236}">
+                <a16:creationId xmlns:a16="http://schemas.microsoft.com/office/drawing/2014/main" id="{EB9AB1A2-E852-D9CB-E77F-DAF6D11D57A7}"/>
+              </a:ext>
+            </a:extLst>
+          </p:cNvPr>
+          <p:cNvSpPr txBox="1"/>
+          <p:nvPr/>
+        </p:nvSpPr>
+        <p:spPr>
+          <a:xfrm>
+            <a:off x="5739768" y="4810924"/>
+            <a:ext cx="1010098" cy="307777"/>
+          </a:xfrm>
+          <a:prstGeom prst="rect">
+            <a:avLst/>
+          </a:prstGeom>
+          <a:noFill/>
+        </p:spPr>
+        <p:txBody>
+          <a:bodyPr wrap="square" rtlCol="0">
+            <a:spAutoFit/>
+          </a:bodyPr>
+          <a:lstStyle/>
+          <a:p>
+            <a:r>
+              <a:rPr lang="en-US" sz="1400"/>
+              <a:t>[else]</a:t>
+            </a:r>
+            <a:endParaRPr lang="vi-VN" sz="1400"/>
+          </a:p>
+        </p:txBody>
+      </p:sp>
+      <p:cxnSp>
+        <p:nvCxnSpPr>
+          <p:cNvPr id="24" name="Đường kết nối: Mũi tên Gấp khúc 23">
+            <a:extLst>
+              <a:ext uri="{FF2B5EF4-FFF2-40B4-BE49-F238E27FC236}">
+                <a16:creationId xmlns:a16="http://schemas.microsoft.com/office/drawing/2014/main" id="{298014D2-A6C3-ED4D-9372-BC099F974476}"/>
+              </a:ext>
+            </a:extLst>
+          </p:cNvPr>
+          <p:cNvCxnSpPr>
+            <a:cxnSpLocks/>
+          </p:cNvCxnSpPr>
+          <p:nvPr/>
+        </p:nvCxnSpPr>
+        <p:spPr>
+          <a:xfrm rot="16200000" flipH="1">
+            <a:off x="8622178" y="3593278"/>
+            <a:ext cx="1544130" cy="542271"/>
+          </a:xfrm>
+          <a:prstGeom prst="bentConnector3">
+            <a:avLst>
+              <a:gd name="adj1" fmla="val 36840"/>
+            </a:avLst>
+          </a:prstGeom>
+        </p:spPr>
+        <p:style>
+          <a:lnRef idx="1">
+            <a:schemeClr val="accent1"/>
+          </a:lnRef>
+          <a:fillRef idx="0">
+            <a:schemeClr val="accent1"/>
+          </a:fillRef>
+          <a:effectRef idx="0">
+            <a:schemeClr val="accent1"/>
+          </a:effectRef>
+          <a:fontRef idx="minor">
+            <a:schemeClr val="tx1"/>
+          </a:fontRef>
+        </p:style>
+      </p:cxnSp>
+      <p:cxnSp>
+        <p:nvCxnSpPr>
+          <p:cNvPr id="25" name="Đường kết nối Mũi tên Thẳng 24">
+            <a:extLst>
+              <a:ext uri="{FF2B5EF4-FFF2-40B4-BE49-F238E27FC236}">
+                <a16:creationId xmlns:a16="http://schemas.microsoft.com/office/drawing/2014/main" id="{B3B9B5F8-EC36-904D-4FBB-89F3B54D7D6A}"/>
+              </a:ext>
+            </a:extLst>
+          </p:cNvPr>
+          <p:cNvCxnSpPr>
+            <a:cxnSpLocks/>
+          </p:cNvCxnSpPr>
+          <p:nvPr/>
+        </p:nvCxnSpPr>
+        <p:spPr>
+          <a:xfrm flipH="1">
+            <a:off x="9168223" y="4627573"/>
+            <a:ext cx="497156" cy="0"/>
+          </a:xfrm>
+          <a:prstGeom prst="straightConnector1">
+            <a:avLst/>
+          </a:prstGeom>
+          <a:ln>
+            <a:tailEnd type="triangle"/>
+          </a:ln>
+        </p:spPr>
+        <p:style>
+          <a:lnRef idx="1">
+            <a:schemeClr val="accent1"/>
+          </a:lnRef>
+          <a:fillRef idx="0">
+            <a:schemeClr val="accent1"/>
+          </a:fillRef>
+          <a:effectRef idx="0">
+            <a:schemeClr val="accent1"/>
+          </a:effectRef>
+          <a:fontRef idx="minor">
+            <a:schemeClr val="tx1"/>
+          </a:fontRef>
+        </p:style>
+      </p:cxnSp>
+      <p:sp>
+        <p:nvSpPr>
+          <p:cNvPr id="26" name="Hình chữ nhật 25">
+            <a:extLst>
+              <a:ext uri="{FF2B5EF4-FFF2-40B4-BE49-F238E27FC236}">
+                <a16:creationId xmlns:a16="http://schemas.microsoft.com/office/drawing/2014/main" id="{480D39A8-545E-D4B5-9439-7B4128F808F3}"/>
+              </a:ext>
+            </a:extLst>
+          </p:cNvPr>
+          <p:cNvSpPr/>
+          <p:nvPr/>
+        </p:nvSpPr>
+        <p:spPr>
+          <a:xfrm>
+            <a:off x="9242189" y="3932092"/>
+            <a:ext cx="1051462" cy="441669"/>
+          </a:xfrm>
+          <a:prstGeom prst="rect">
+            <a:avLst/>
+          </a:prstGeom>
+          <a:solidFill>
+            <a:schemeClr val="bg1"/>
+          </a:solidFill>
+          <a:ln>
+            <a:noFill/>
+          </a:ln>
+        </p:spPr>
+        <p:style>
+          <a:lnRef idx="2">
+            <a:schemeClr val="accent1">
+              <a:shade val="50000"/>
+            </a:schemeClr>
+          </a:lnRef>
+          <a:fillRef idx="1">
+            <a:schemeClr val="accent1"/>
+          </a:fillRef>
+          <a:effectRef idx="0">
+            <a:schemeClr val="accent1"/>
+          </a:effectRef>
+          <a:fontRef idx="minor">
+            <a:schemeClr val="lt1"/>
+          </a:fontRef>
+        </p:style>
+        <p:txBody>
+          <a:bodyPr rtlCol="0" anchor="ctr"/>
+          <a:lstStyle/>
+          <a:p>
+            <a:pPr algn="ctr"/>
+            <a:r>
+              <a:rPr lang="en-US" sz="1400">
+                <a:solidFill>
+                  <a:schemeClr val="tx1"/>
+                </a:solidFill>
+              </a:rPr>
+              <a:t>6.1. GoTo</a:t>
+            </a:r>
+          </a:p>
+          <a:p>
+            <a:pPr algn="ctr"/>
+            <a:r>
+              <a:rPr lang="en-US" sz="1400">
+                <a:solidFill>
+                  <a:schemeClr val="tx1"/>
+                </a:solidFill>
+              </a:rPr>
+              <a:t>Home()</a:t>
+            </a:r>
+            <a:endParaRPr lang="vi-VN" sz="1400">
+              <a:solidFill>
+                <a:schemeClr val="tx1"/>
+              </a:solidFill>
+            </a:endParaRPr>
+          </a:p>
+        </p:txBody>
+      </p:sp>
+      <p:cxnSp>
+        <p:nvCxnSpPr>
+          <p:cNvPr id="35" name="Đường kết nối Mũi tên Thẳng 34">
+            <a:extLst>
+              <a:ext uri="{FF2B5EF4-FFF2-40B4-BE49-F238E27FC236}">
+                <a16:creationId xmlns:a16="http://schemas.microsoft.com/office/drawing/2014/main" id="{1A668079-77EE-CF72-43A2-14622292240D}"/>
+              </a:ext>
+            </a:extLst>
+          </p:cNvPr>
+          <p:cNvCxnSpPr>
+            <a:cxnSpLocks/>
+          </p:cNvCxnSpPr>
+          <p:nvPr/>
+        </p:nvCxnSpPr>
+        <p:spPr>
+          <a:xfrm flipH="1" flipV="1">
+            <a:off x="7172038" y="3470766"/>
+            <a:ext cx="1596889" cy="8906"/>
+          </a:xfrm>
+          <a:prstGeom prst="straightConnector1">
+            <a:avLst/>
+          </a:prstGeom>
+          <a:ln>
+            <a:prstDash val="dash"/>
+            <a:tailEnd type="triangle"/>
+          </a:ln>
+        </p:spPr>
+        <p:style>
+          <a:lnRef idx="1">
+            <a:schemeClr val="accent1"/>
+          </a:lnRef>
+          <a:fillRef idx="0">
+            <a:schemeClr val="accent1"/>
+          </a:fillRef>
+          <a:effectRef idx="0">
+            <a:schemeClr val="accent1"/>
+          </a:effectRef>
+          <a:fontRef idx="minor">
+            <a:schemeClr val="tx1"/>
+          </a:fontRef>
+        </p:style>
+      </p:cxnSp>
+      <p:sp>
+        <p:nvSpPr>
+          <p:cNvPr id="36" name="Hình chữ nhật 35">
+            <a:extLst>
+              <a:ext uri="{FF2B5EF4-FFF2-40B4-BE49-F238E27FC236}">
+                <a16:creationId xmlns:a16="http://schemas.microsoft.com/office/drawing/2014/main" id="{C21FB87D-AC5C-FF6D-1D4C-A12F314E7B26}"/>
+              </a:ext>
+            </a:extLst>
+          </p:cNvPr>
+          <p:cNvSpPr/>
+          <p:nvPr/>
+        </p:nvSpPr>
+        <p:spPr>
+          <a:xfrm>
+            <a:off x="7512052" y="3254385"/>
+            <a:ext cx="1051462" cy="441669"/>
+          </a:xfrm>
+          <a:prstGeom prst="rect">
+            <a:avLst/>
+          </a:prstGeom>
+          <a:solidFill>
+            <a:schemeClr val="bg1"/>
+          </a:solidFill>
+          <a:ln>
+            <a:noFill/>
+          </a:ln>
+        </p:spPr>
+        <p:style>
+          <a:lnRef idx="2">
+            <a:schemeClr val="accent1">
+              <a:shade val="50000"/>
+            </a:schemeClr>
+          </a:lnRef>
+          <a:fillRef idx="1">
+            <a:schemeClr val="accent1"/>
+          </a:fillRef>
+          <a:effectRef idx="0">
+            <a:schemeClr val="accent1"/>
+          </a:effectRef>
+          <a:fontRef idx="minor">
+            <a:schemeClr val="lt1"/>
+          </a:fontRef>
+        </p:style>
+        <p:txBody>
+          <a:bodyPr rtlCol="0" anchor="ctr"/>
+          <a:lstStyle/>
+          <a:p>
+            <a:pPr algn="ctr"/>
+            <a:r>
+              <a:rPr lang="en-US" sz="1400">
+                <a:solidFill>
+                  <a:schemeClr val="tx1"/>
+                </a:solidFill>
+              </a:rPr>
+              <a:t>5.1. Message()</a:t>
+            </a:r>
+            <a:endParaRPr lang="vi-VN" sz="1400">
+              <a:solidFill>
+                <a:schemeClr val="tx1"/>
+              </a:solidFill>
+            </a:endParaRPr>
+          </a:p>
+        </p:txBody>
+      </p:sp>
+      <p:cxnSp>
+        <p:nvCxnSpPr>
+          <p:cNvPr id="37" name="Đường kết nối Mũi tên Thẳng 36">
+            <a:extLst>
+              <a:ext uri="{FF2B5EF4-FFF2-40B4-BE49-F238E27FC236}">
+                <a16:creationId xmlns:a16="http://schemas.microsoft.com/office/drawing/2014/main" id="{374FCF22-8F4D-1DA4-181E-60B6F47ACFFF}"/>
+              </a:ext>
+            </a:extLst>
+          </p:cNvPr>
+          <p:cNvCxnSpPr>
+            <a:cxnSpLocks/>
+          </p:cNvCxnSpPr>
+          <p:nvPr/>
+        </p:nvCxnSpPr>
+        <p:spPr>
+          <a:xfrm flipH="1" flipV="1">
+            <a:off x="7158037" y="5147771"/>
+            <a:ext cx="1596889" cy="8906"/>
+          </a:xfrm>
+          <a:prstGeom prst="straightConnector1">
+            <a:avLst/>
+          </a:prstGeom>
+          <a:ln>
+            <a:prstDash val="dash"/>
+            <a:tailEnd type="triangle"/>
+          </a:ln>
+        </p:spPr>
+        <p:style>
+          <a:lnRef idx="1">
+            <a:schemeClr val="accent1"/>
+          </a:lnRef>
+          <a:fillRef idx="0">
+            <a:schemeClr val="accent1"/>
+          </a:fillRef>
+          <a:effectRef idx="0">
+            <a:schemeClr val="accent1"/>
+          </a:effectRef>
+          <a:fontRef idx="minor">
+            <a:schemeClr val="tx1"/>
+          </a:fontRef>
+        </p:style>
+      </p:cxnSp>
+      <p:sp>
+        <p:nvSpPr>
+          <p:cNvPr id="38" name="Hình chữ nhật 37">
+            <a:extLst>
+              <a:ext uri="{FF2B5EF4-FFF2-40B4-BE49-F238E27FC236}">
+                <a16:creationId xmlns:a16="http://schemas.microsoft.com/office/drawing/2014/main" id="{D13F354E-7CA7-9293-54D2-23D7F4198513}"/>
+              </a:ext>
+            </a:extLst>
+          </p:cNvPr>
+          <p:cNvSpPr/>
+          <p:nvPr/>
+        </p:nvSpPr>
+        <p:spPr>
+          <a:xfrm>
+            <a:off x="7498051" y="4931390"/>
+            <a:ext cx="1051462" cy="441669"/>
+          </a:xfrm>
+          <a:prstGeom prst="rect">
+            <a:avLst/>
+          </a:prstGeom>
+          <a:solidFill>
+            <a:schemeClr val="bg1"/>
+          </a:solidFill>
+          <a:ln>
+            <a:noFill/>
+          </a:ln>
+        </p:spPr>
+        <p:style>
+          <a:lnRef idx="2">
+            <a:schemeClr val="accent1">
+              <a:shade val="50000"/>
+            </a:schemeClr>
+          </a:lnRef>
+          <a:fillRef idx="1">
+            <a:schemeClr val="accent1"/>
+          </a:fillRef>
+          <a:effectRef idx="0">
+            <a:schemeClr val="accent1"/>
+          </a:effectRef>
+          <a:fontRef idx="minor">
+            <a:schemeClr val="lt1"/>
+          </a:fontRef>
+        </p:style>
+        <p:txBody>
+          <a:bodyPr rtlCol="0" anchor="ctr"/>
+          <a:lstStyle/>
+          <a:p>
+            <a:pPr algn="ctr"/>
+            <a:r>
+              <a:rPr lang="en-US" sz="1400">
+                <a:solidFill>
+                  <a:schemeClr val="tx1"/>
+                </a:solidFill>
+              </a:rPr>
+              <a:t>5.2. Message()</a:t>
+            </a:r>
+            <a:endParaRPr lang="vi-VN" sz="1400">
+              <a:solidFill>
+                <a:schemeClr val="tx1"/>
+              </a:solidFill>
+            </a:endParaRPr>
+          </a:p>
+        </p:txBody>
+      </p:sp>
+      <p:cxnSp>
+        <p:nvCxnSpPr>
+          <p:cNvPr id="39" name="Đường kết nối: Mũi tên Gấp khúc 38">
+            <a:extLst>
+              <a:ext uri="{FF2B5EF4-FFF2-40B4-BE49-F238E27FC236}">
+                <a16:creationId xmlns:a16="http://schemas.microsoft.com/office/drawing/2014/main" id="{8712C24D-5806-AC2C-A040-E86C26F8C275}"/>
+              </a:ext>
+            </a:extLst>
+          </p:cNvPr>
+          <p:cNvCxnSpPr>
+            <a:cxnSpLocks/>
+          </p:cNvCxnSpPr>
+          <p:nvPr/>
+        </p:nvCxnSpPr>
+        <p:spPr>
+          <a:xfrm rot="16200000" flipH="1">
+            <a:off x="8635999" y="4658345"/>
+            <a:ext cx="1341699" cy="488563"/>
+          </a:xfrm>
+          <a:prstGeom prst="bentConnector3">
+            <a:avLst>
+              <a:gd name="adj1" fmla="val 50000"/>
+            </a:avLst>
+          </a:prstGeom>
+        </p:spPr>
+        <p:style>
+          <a:lnRef idx="1">
+            <a:schemeClr val="accent1"/>
+          </a:lnRef>
+          <a:fillRef idx="0">
+            <a:schemeClr val="accent1"/>
+          </a:fillRef>
+          <a:effectRef idx="0">
+            <a:schemeClr val="accent1"/>
+          </a:effectRef>
+          <a:fontRef idx="minor">
+            <a:schemeClr val="tx1"/>
+          </a:fontRef>
+        </p:style>
+      </p:cxnSp>
+      <p:cxnSp>
+        <p:nvCxnSpPr>
+          <p:cNvPr id="40" name="Đường kết nối Mũi tên Thẳng 39">
+            <a:extLst>
+              <a:ext uri="{FF2B5EF4-FFF2-40B4-BE49-F238E27FC236}">
+                <a16:creationId xmlns:a16="http://schemas.microsoft.com/office/drawing/2014/main" id="{68488E3C-3E8A-E80D-7FE4-AF6D6D435940}"/>
+              </a:ext>
+            </a:extLst>
+          </p:cNvPr>
+          <p:cNvCxnSpPr>
+            <a:cxnSpLocks/>
+          </p:cNvCxnSpPr>
+          <p:nvPr/>
+        </p:nvCxnSpPr>
+        <p:spPr>
+          <a:xfrm flipH="1">
+            <a:off x="9181650" y="5573476"/>
+            <a:ext cx="369480" cy="0"/>
+          </a:xfrm>
+          <a:prstGeom prst="straightConnector1">
+            <a:avLst/>
+          </a:prstGeom>
+          <a:ln>
+            <a:tailEnd type="triangle"/>
+          </a:ln>
+        </p:spPr>
+        <p:style>
+          <a:lnRef idx="1">
+            <a:schemeClr val="accent1"/>
+          </a:lnRef>
+          <a:fillRef idx="0">
+            <a:schemeClr val="accent1"/>
+          </a:fillRef>
+          <a:effectRef idx="0">
+            <a:schemeClr val="accent1"/>
+          </a:effectRef>
+          <a:fontRef idx="minor">
+            <a:schemeClr val="tx1"/>
+          </a:fontRef>
+        </p:style>
+      </p:cxnSp>
+      <p:sp>
+        <p:nvSpPr>
+          <p:cNvPr id="41" name="Hình chữ nhật 40">
+            <a:extLst>
+              <a:ext uri="{FF2B5EF4-FFF2-40B4-BE49-F238E27FC236}">
+                <a16:creationId xmlns:a16="http://schemas.microsoft.com/office/drawing/2014/main" id="{38FC1C94-7A21-3F66-F970-BA20159108B6}"/>
+              </a:ext>
+            </a:extLst>
+          </p:cNvPr>
+          <p:cNvSpPr/>
+          <p:nvPr/>
+        </p:nvSpPr>
+        <p:spPr>
+          <a:xfrm>
+            <a:off x="9181649" y="5071521"/>
+            <a:ext cx="1051462" cy="441669"/>
+          </a:xfrm>
+          <a:prstGeom prst="rect">
+            <a:avLst/>
+          </a:prstGeom>
+          <a:solidFill>
+            <a:schemeClr val="bg1"/>
+          </a:solidFill>
+          <a:ln>
+            <a:noFill/>
+          </a:ln>
+        </p:spPr>
+        <p:style>
+          <a:lnRef idx="2">
+            <a:schemeClr val="accent1">
+              <a:shade val="50000"/>
+            </a:schemeClr>
+          </a:lnRef>
+          <a:fillRef idx="1">
+            <a:schemeClr val="accent1"/>
+          </a:fillRef>
+          <a:effectRef idx="0">
+            <a:schemeClr val="accent1"/>
+          </a:effectRef>
+          <a:fontRef idx="minor">
+            <a:schemeClr val="lt1"/>
+          </a:fontRef>
+        </p:style>
+        <p:txBody>
+          <a:bodyPr rtlCol="0" anchor="ctr"/>
+          <a:lstStyle/>
+          <a:p>
+            <a:pPr algn="ctr"/>
+            <a:r>
+              <a:rPr lang="en-US" sz="1400">
+                <a:solidFill>
+                  <a:schemeClr val="tx1"/>
+                </a:solidFill>
+              </a:rPr>
+              <a:t>6.2. Do</a:t>
+            </a:r>
+          </a:p>
+          <a:p>
+            <a:pPr algn="ctr"/>
+            <a:r>
+              <a:rPr lang="en-US" sz="1400">
+                <a:solidFill>
+                  <a:schemeClr val="tx1"/>
+                </a:solidFill>
+              </a:rPr>
+              <a:t>Nothing()</a:t>
+            </a:r>
+            <a:endParaRPr lang="vi-VN" sz="1400">
+              <a:solidFill>
+                <a:schemeClr val="tx1"/>
+              </a:solidFill>
+            </a:endParaRPr>
+          </a:p>
+        </p:txBody>
+      </p:sp>
+      <p:sp>
+        <p:nvSpPr>
+          <p:cNvPr id="42" name="Hình chữ nhật 41">
+            <a:extLst>
+              <a:ext uri="{FF2B5EF4-FFF2-40B4-BE49-F238E27FC236}">
+                <a16:creationId xmlns:a16="http://schemas.microsoft.com/office/drawing/2014/main" id="{2FF97EEE-167A-D363-44E9-81E0600B0950}"/>
+              </a:ext>
+            </a:extLst>
+          </p:cNvPr>
+          <p:cNvSpPr/>
+          <p:nvPr/>
+        </p:nvSpPr>
+        <p:spPr>
+          <a:xfrm>
+            <a:off x="6791195" y="1649828"/>
+            <a:ext cx="384309" cy="4221509"/>
+          </a:xfrm>
+          <a:prstGeom prst="rect">
+            <a:avLst/>
+          </a:prstGeom>
+          <a:solidFill>
+            <a:schemeClr val="bg1"/>
+          </a:solidFill>
+        </p:spPr>
+        <p:style>
+          <a:lnRef idx="2">
+            <a:schemeClr val="accent1">
+              <a:shade val="50000"/>
+            </a:schemeClr>
+          </a:lnRef>
+          <a:fillRef idx="1">
+            <a:schemeClr val="accent1"/>
+          </a:fillRef>
+          <a:effectRef idx="0">
+            <a:schemeClr val="accent1"/>
+          </a:effectRef>
+          <a:fontRef idx="minor">
+            <a:schemeClr val="lt1"/>
+          </a:fontRef>
+        </p:style>
+        <p:txBody>
+          <a:bodyPr rtlCol="0" anchor="ctr"/>
+          <a:lstStyle/>
+          <a:p>
+            <a:pPr algn="ctr"/>
+            <a:endParaRPr lang="vi-VN"/>
+          </a:p>
+        </p:txBody>
+      </p:sp>
+      <p:sp>
+        <p:nvSpPr>
+          <p:cNvPr id="43" name="Hình chữ nhật 42">
+            <a:extLst>
+              <a:ext uri="{FF2B5EF4-FFF2-40B4-BE49-F238E27FC236}">
+                <a16:creationId xmlns:a16="http://schemas.microsoft.com/office/drawing/2014/main" id="{7EAF081E-B02B-0011-C612-D578F74307EE}"/>
+              </a:ext>
+            </a:extLst>
+          </p:cNvPr>
+          <p:cNvSpPr/>
+          <p:nvPr/>
+        </p:nvSpPr>
+        <p:spPr>
+          <a:xfrm>
+            <a:off x="8772397" y="1649828"/>
+            <a:ext cx="384309" cy="460514"/>
+          </a:xfrm>
+          <a:prstGeom prst="rect">
+            <a:avLst/>
+          </a:prstGeom>
+          <a:solidFill>
+            <a:schemeClr val="bg1"/>
+          </a:solidFill>
+        </p:spPr>
+        <p:style>
+          <a:lnRef idx="2">
+            <a:schemeClr val="accent1">
+              <a:shade val="50000"/>
+            </a:schemeClr>
+          </a:lnRef>
+          <a:fillRef idx="1">
+            <a:schemeClr val="accent1"/>
+          </a:fillRef>
+          <a:effectRef idx="0">
+            <a:schemeClr val="accent1"/>
+          </a:effectRef>
+          <a:fontRef idx="minor">
+            <a:schemeClr val="lt1"/>
+          </a:fontRef>
+        </p:style>
+        <p:txBody>
+          <a:bodyPr rtlCol="0" anchor="ctr"/>
+          <a:lstStyle/>
+          <a:p>
+            <a:pPr algn="ctr"/>
+            <a:endParaRPr lang="vi-VN"/>
+          </a:p>
+        </p:txBody>
+      </p:sp>
+      <p:sp>
+        <p:nvSpPr>
+          <p:cNvPr id="44" name="Hình chữ nhật 43">
+            <a:extLst>
+              <a:ext uri="{FF2B5EF4-FFF2-40B4-BE49-F238E27FC236}">
+                <a16:creationId xmlns:a16="http://schemas.microsoft.com/office/drawing/2014/main" id="{4D74EF10-247B-2009-76B8-E348826F8455}"/>
+              </a:ext>
+            </a:extLst>
+          </p:cNvPr>
+          <p:cNvSpPr/>
+          <p:nvPr/>
+        </p:nvSpPr>
+        <p:spPr>
+          <a:xfrm>
+            <a:off x="8768917" y="2335629"/>
+            <a:ext cx="384309" cy="3535708"/>
+          </a:xfrm>
+          <a:prstGeom prst="rect">
+            <a:avLst/>
+          </a:prstGeom>
+          <a:solidFill>
+            <a:schemeClr val="bg1"/>
+          </a:solidFill>
+        </p:spPr>
+        <p:style>
+          <a:lnRef idx="2">
+            <a:schemeClr val="accent1">
+              <a:shade val="50000"/>
+            </a:schemeClr>
+          </a:lnRef>
+          <a:fillRef idx="1">
+            <a:schemeClr val="accent1"/>
+          </a:fillRef>
+          <a:effectRef idx="0">
+            <a:schemeClr val="accent1"/>
+          </a:effectRef>
+          <a:fontRef idx="minor">
+            <a:schemeClr val="lt1"/>
+          </a:fontRef>
+        </p:style>
+        <p:txBody>
+          <a:bodyPr rtlCol="0" anchor="ctr"/>
+          <a:lstStyle/>
+          <a:p>
+            <a:pPr algn="ctr"/>
+            <a:endParaRPr lang="vi-VN"/>
+          </a:p>
+        </p:txBody>
+      </p:sp>
+      <p:sp>
+        <p:nvSpPr>
+          <p:cNvPr id="45" name="Hình chữ nhật 44">
+            <a:extLst>
+              <a:ext uri="{FF2B5EF4-FFF2-40B4-BE49-F238E27FC236}">
+                <a16:creationId xmlns:a16="http://schemas.microsoft.com/office/drawing/2014/main" id="{49D55E19-1338-0C2F-08BA-F33373E5651C}"/>
+              </a:ext>
+            </a:extLst>
+          </p:cNvPr>
+          <p:cNvSpPr/>
+          <p:nvPr/>
+        </p:nvSpPr>
+        <p:spPr>
+          <a:xfrm>
+            <a:off x="10750116" y="2576444"/>
+            <a:ext cx="384309" cy="441668"/>
+          </a:xfrm>
+          <a:prstGeom prst="rect">
+            <a:avLst/>
+          </a:prstGeom>
+          <a:solidFill>
+            <a:schemeClr val="bg1"/>
+          </a:solidFill>
+        </p:spPr>
+        <p:style>
+          <a:lnRef idx="2">
+            <a:schemeClr val="accent1">
+              <a:shade val="50000"/>
+            </a:schemeClr>
+          </a:lnRef>
+          <a:fillRef idx="1">
+            <a:schemeClr val="accent1"/>
+          </a:fillRef>
+          <a:effectRef idx="0">
+            <a:schemeClr val="accent1"/>
+          </a:effectRef>
+          <a:fontRef idx="minor">
+            <a:schemeClr val="lt1"/>
+          </a:fontRef>
+        </p:style>
+        <p:txBody>
+          <a:bodyPr rtlCol="0" anchor="ctr"/>
+          <a:lstStyle/>
+          <a:p>
+            <a:pPr algn="ctr"/>
+            <a:endParaRPr lang="vi-VN"/>
+          </a:p>
+        </p:txBody>
+      </p:sp>
+      <p:cxnSp>
+        <p:nvCxnSpPr>
+          <p:cNvPr id="46" name="Đường nối Thẳng 45">
+            <a:extLst>
+              <a:ext uri="{FF2B5EF4-FFF2-40B4-BE49-F238E27FC236}">
+                <a16:creationId xmlns:a16="http://schemas.microsoft.com/office/drawing/2014/main" id="{14238DEE-72F7-1A62-9261-6B510FAE5724}"/>
+              </a:ext>
+            </a:extLst>
+          </p:cNvPr>
+          <p:cNvCxnSpPr>
+            <a:cxnSpLocks/>
+            <a:stCxn id="19" idx="1"/>
+            <a:endCxn id="19" idx="3"/>
+          </p:cNvCxnSpPr>
+          <p:nvPr/>
+        </p:nvCxnSpPr>
+        <p:spPr>
+          <a:xfrm>
+            <a:off x="5630924" y="4723701"/>
+            <a:ext cx="6295983" cy="0"/>
+          </a:xfrm>
+          <a:prstGeom prst="line">
+            <a:avLst/>
+          </a:prstGeom>
+          <a:ln w="12700">
+            <a:solidFill>
+              <a:schemeClr val="tx1"/>
+            </a:solidFill>
+            <a:prstDash val="lgDash"/>
+          </a:ln>
+        </p:spPr>
+        <p:style>
+          <a:lnRef idx="1">
+            <a:schemeClr val="accent1"/>
+          </a:lnRef>
+          <a:fillRef idx="0">
+            <a:schemeClr val="accent1"/>
+          </a:fillRef>
+          <a:effectRef idx="0">
+            <a:schemeClr val="accent1"/>
+          </a:effectRef>
+          <a:fontRef idx="minor">
+            <a:schemeClr val="tx1"/>
+          </a:fontRef>
+        </p:style>
+      </p:cxnSp>
+      <p:sp>
+        <p:nvSpPr>
+          <p:cNvPr id="47" name="Hình chữ nhật 46">
+            <a:extLst>
+              <a:ext uri="{FF2B5EF4-FFF2-40B4-BE49-F238E27FC236}">
+                <a16:creationId xmlns:a16="http://schemas.microsoft.com/office/drawing/2014/main" id="{6494B2E5-FE38-48AB-2A97-3F749A07EAAF}"/>
+              </a:ext>
+            </a:extLst>
+          </p:cNvPr>
+          <p:cNvSpPr/>
+          <p:nvPr/>
+        </p:nvSpPr>
+        <p:spPr>
+          <a:xfrm>
+            <a:off x="9005506" y="5456359"/>
+            <a:ext cx="199530" cy="215404"/>
+          </a:xfrm>
+          <a:prstGeom prst="rect">
+            <a:avLst/>
+          </a:prstGeom>
+          <a:solidFill>
+            <a:schemeClr val="bg1"/>
+          </a:solidFill>
+        </p:spPr>
+        <p:style>
+          <a:lnRef idx="2">
+            <a:schemeClr val="accent1">
+              <a:shade val="50000"/>
+            </a:schemeClr>
+          </a:lnRef>
+          <a:fillRef idx="1">
+            <a:schemeClr val="accent1"/>
+          </a:fillRef>
+          <a:effectRef idx="0">
+            <a:schemeClr val="accent1"/>
+          </a:effectRef>
+          <a:fontRef idx="minor">
+            <a:schemeClr val="lt1"/>
+          </a:fontRef>
+        </p:style>
+        <p:txBody>
+          <a:bodyPr rtlCol="0" anchor="ctr"/>
+          <a:lstStyle/>
+          <a:p>
+            <a:pPr algn="ctr"/>
+            <a:endParaRPr lang="vi-VN"/>
+          </a:p>
+        </p:txBody>
+      </p:sp>
+      <p:sp>
+        <p:nvSpPr>
+          <p:cNvPr id="48" name="Hình chữ nhật 47">
+            <a:extLst>
+              <a:ext uri="{FF2B5EF4-FFF2-40B4-BE49-F238E27FC236}">
+                <a16:creationId xmlns:a16="http://schemas.microsoft.com/office/drawing/2014/main" id="{0C529666-015B-D1EE-4CB5-02640487CF05}"/>
+              </a:ext>
+            </a:extLst>
+          </p:cNvPr>
+          <p:cNvSpPr/>
+          <p:nvPr/>
+        </p:nvSpPr>
+        <p:spPr>
+          <a:xfrm>
+            <a:off x="9005506" y="4466157"/>
+            <a:ext cx="199530" cy="215404"/>
+          </a:xfrm>
+          <a:prstGeom prst="rect">
+            <a:avLst/>
+          </a:prstGeom>
+          <a:solidFill>
+            <a:schemeClr val="bg1"/>
+          </a:solidFill>
+        </p:spPr>
+        <p:style>
+          <a:lnRef idx="2">
+            <a:schemeClr val="accent1">
+              <a:shade val="50000"/>
+            </a:schemeClr>
+          </a:lnRef>
+          <a:fillRef idx="1">
+            <a:schemeClr val="accent1"/>
+          </a:fillRef>
+          <a:effectRef idx="0">
+            <a:schemeClr val="accent1"/>
+          </a:effectRef>
+          <a:fontRef idx="minor">
+            <a:schemeClr val="lt1"/>
+          </a:fontRef>
+        </p:style>
+        <p:txBody>
+          <a:bodyPr rtlCol="0" anchor="ctr"/>
+          <a:lstStyle/>
+          <a:p>
+            <a:pPr algn="ctr"/>
+            <a:endParaRPr lang="vi-VN"/>
+          </a:p>
+        </p:txBody>
+      </p:sp>
+      <p:sp>
+        <p:nvSpPr>
+          <p:cNvPr id="49" name="Hộp Văn bản 48">
+            <a:extLst>
+              <a:ext uri="{FF2B5EF4-FFF2-40B4-BE49-F238E27FC236}">
+                <a16:creationId xmlns:a16="http://schemas.microsoft.com/office/drawing/2014/main" id="{940F73D3-38E3-A3C9-693D-BDC23DF1183E}"/>
+              </a:ext>
+            </a:extLst>
+          </p:cNvPr>
+          <p:cNvSpPr txBox="1"/>
+          <p:nvPr/>
+        </p:nvSpPr>
+        <p:spPr>
+          <a:xfrm>
+            <a:off x="7631323" y="6380224"/>
+            <a:ext cx="2534479" cy="369332"/>
+          </a:xfrm>
+          <a:prstGeom prst="rect">
+            <a:avLst/>
+          </a:prstGeom>
+          <a:noFill/>
+        </p:spPr>
+        <p:txBody>
+          <a:bodyPr wrap="square" rtlCol="0">
+            <a:spAutoFit/>
+          </a:bodyPr>
+          <a:lstStyle/>
+          <a:p>
+            <a:r>
+              <a:rPr lang="en-US" b="1"/>
+              <a:t>Reference diagram</a:t>
+            </a:r>
+            <a:endParaRPr lang="vi-VN" b="1"/>
           </a:p>
         </p:txBody>
       </p:sp>
@@ -19355,6 +21358,57 @@
           </a:p>
         </p:txBody>
       </p:sp>
+      <mc:AlternateContent xmlns:mc="http://schemas.openxmlformats.org/markup-compatibility/2006">
+        <mc:Choice xmlns:p14="http://schemas.microsoft.com/office/powerpoint/2010/main" Requires="p14">
+          <p:contentPart p14:bwMode="auto" r:id="rId2">
+            <p14:nvContentPartPr>
+              <p14:cNvPr id="3" name="Viết tay 2">
+                <a:extLst>
+                  <a:ext uri="{FF2B5EF4-FFF2-40B4-BE49-F238E27FC236}">
+                    <a16:creationId xmlns:a16="http://schemas.microsoft.com/office/drawing/2014/main" id="{FC8BC65A-6562-6F18-326F-08151730FAEB}"/>
+                  </a:ext>
+                </a:extLst>
+              </p14:cNvPr>
+              <p14:cNvContentPartPr/>
+              <p14:nvPr/>
+            </p14:nvContentPartPr>
+            <p14:xfrm>
+              <a:off x="2215800" y="1400400"/>
+              <a:ext cx="5460120" cy="4329360"/>
+            </p14:xfrm>
+          </p:contentPart>
+        </mc:Choice>
+        <mc:Fallback>
+          <p:pic>
+            <p:nvPicPr>
+              <p:cNvPr id="3" name="Viết tay 2">
+                <a:extLst>
+                  <a:ext uri="{FF2B5EF4-FFF2-40B4-BE49-F238E27FC236}">
+                    <a16:creationId xmlns:a16="http://schemas.microsoft.com/office/drawing/2014/main" id="{FC8BC65A-6562-6F18-326F-08151730FAEB}"/>
+                  </a:ext>
+                </a:extLst>
+              </p:cNvPr>
+              <p:cNvPicPr/>
+              <p:nvPr/>
+            </p:nvPicPr>
+            <p:blipFill>
+              <a:blip r:embed="rId3"/>
+              <a:stretch>
+                <a:fillRect/>
+              </a:stretch>
+            </p:blipFill>
+            <p:spPr>
+              <a:xfrm>
+                <a:off x="2206440" y="1391040"/>
+                <a:ext cx="5478840" cy="4348080"/>
+              </a:xfrm>
+              <a:prstGeom prst="rect">
+                <a:avLst/>
+              </a:prstGeom>
+            </p:spPr>
+          </p:pic>
+        </mc:Fallback>
+      </mc:AlternateContent>
     </p:spTree>
     <p:extLst>
       <p:ext uri="{BB962C8B-B14F-4D97-AF65-F5344CB8AC3E}">
@@ -20609,6 +22663,261 @@
           </a:p>
         </p:txBody>
       </p:sp>
+      <mc:AlternateContent xmlns:mc="http://schemas.openxmlformats.org/markup-compatibility/2006">
+        <mc:Choice xmlns:p14="http://schemas.microsoft.com/office/powerpoint/2010/main" Requires="p14">
+          <p:contentPart p14:bwMode="auto" r:id="rId2">
+            <p14:nvContentPartPr>
+              <p14:cNvPr id="5" name="Viết tay 4">
+                <a:extLst>
+                  <a:ext uri="{FF2B5EF4-FFF2-40B4-BE49-F238E27FC236}">
+                    <a16:creationId xmlns:a16="http://schemas.microsoft.com/office/drawing/2014/main" id="{E8CA3F53-6C8F-1142-6B08-65B2BDAA848D}"/>
+                  </a:ext>
+                </a:extLst>
+              </p14:cNvPr>
+              <p14:cNvContentPartPr/>
+              <p14:nvPr/>
+            </p14:nvContentPartPr>
+            <p14:xfrm>
+              <a:off x="2511237" y="2349260"/>
+              <a:ext cx="360" cy="360"/>
+            </p14:xfrm>
+          </p:contentPart>
+        </mc:Choice>
+        <mc:Fallback>
+          <p:pic>
+            <p:nvPicPr>
+              <p:cNvPr id="5" name="Viết tay 4">
+                <a:extLst>
+                  <a:ext uri="{FF2B5EF4-FFF2-40B4-BE49-F238E27FC236}">
+                    <a16:creationId xmlns:a16="http://schemas.microsoft.com/office/drawing/2014/main" id="{E8CA3F53-6C8F-1142-6B08-65B2BDAA848D}"/>
+                  </a:ext>
+                </a:extLst>
+              </p:cNvPr>
+              <p:cNvPicPr/>
+              <p:nvPr/>
+            </p:nvPicPr>
+            <p:blipFill>
+              <a:blip r:embed="rId3"/>
+              <a:stretch>
+                <a:fillRect/>
+              </a:stretch>
+            </p:blipFill>
+            <p:spPr>
+              <a:xfrm>
+                <a:off x="2502597" y="2340260"/>
+                <a:ext cx="18000" cy="18000"/>
+              </a:xfrm>
+              <a:prstGeom prst="rect">
+                <a:avLst/>
+              </a:prstGeom>
+            </p:spPr>
+          </p:pic>
+        </mc:Fallback>
+      </mc:AlternateContent>
+      <mc:AlternateContent xmlns:mc="http://schemas.openxmlformats.org/markup-compatibility/2006">
+        <mc:Choice xmlns:p14="http://schemas.microsoft.com/office/powerpoint/2010/main" Requires="p14">
+          <p:contentPart p14:bwMode="auto" r:id="rId4">
+            <p14:nvContentPartPr>
+              <p14:cNvPr id="6" name="Viết tay 5">
+                <a:extLst>
+                  <a:ext uri="{FF2B5EF4-FFF2-40B4-BE49-F238E27FC236}">
+                    <a16:creationId xmlns:a16="http://schemas.microsoft.com/office/drawing/2014/main" id="{95E95090-8309-4814-99BE-18BAF4000AA0}"/>
+                  </a:ext>
+                </a:extLst>
+              </p14:cNvPr>
+              <p14:cNvContentPartPr/>
+              <p14:nvPr/>
+            </p14:nvContentPartPr>
+            <p14:xfrm>
+              <a:off x="9016077" y="2629700"/>
+              <a:ext cx="1469880" cy="79200"/>
+            </p14:xfrm>
+          </p:contentPart>
+        </mc:Choice>
+        <mc:Fallback>
+          <p:pic>
+            <p:nvPicPr>
+              <p:cNvPr id="6" name="Viết tay 5">
+                <a:extLst>
+                  <a:ext uri="{FF2B5EF4-FFF2-40B4-BE49-F238E27FC236}">
+                    <a16:creationId xmlns:a16="http://schemas.microsoft.com/office/drawing/2014/main" id="{95E95090-8309-4814-99BE-18BAF4000AA0}"/>
+                  </a:ext>
+                </a:extLst>
+              </p:cNvPr>
+              <p:cNvPicPr/>
+              <p:nvPr/>
+            </p:nvPicPr>
+            <p:blipFill>
+              <a:blip r:embed="rId5"/>
+              <a:stretch>
+                <a:fillRect/>
+              </a:stretch>
+            </p:blipFill>
+            <p:spPr>
+              <a:xfrm>
+                <a:off x="9007437" y="2620700"/>
+                <a:ext cx="1487520" cy="96840"/>
+              </a:xfrm>
+              <a:prstGeom prst="rect">
+                <a:avLst/>
+              </a:prstGeom>
+            </p:spPr>
+          </p:pic>
+        </mc:Fallback>
+      </mc:AlternateContent>
+      <mc:AlternateContent xmlns:mc="http://schemas.openxmlformats.org/markup-compatibility/2006">
+        <mc:Choice xmlns:p14="http://schemas.microsoft.com/office/powerpoint/2010/main" Requires="p14">
+          <p:contentPart p14:bwMode="auto" r:id="rId6">
+            <p14:nvContentPartPr>
+              <p14:cNvPr id="7" name="Viết tay 6">
+                <a:extLst>
+                  <a:ext uri="{FF2B5EF4-FFF2-40B4-BE49-F238E27FC236}">
+                    <a16:creationId xmlns:a16="http://schemas.microsoft.com/office/drawing/2014/main" id="{7B58A253-6E77-84EF-850C-70FEA889D224}"/>
+                  </a:ext>
+                </a:extLst>
+              </p14:cNvPr>
+              <p14:cNvContentPartPr/>
+              <p14:nvPr/>
+            </p14:nvContentPartPr>
+            <p14:xfrm>
+              <a:off x="4189557" y="2673260"/>
+              <a:ext cx="1590120" cy="133920"/>
+            </p14:xfrm>
+          </p:contentPart>
+        </mc:Choice>
+        <mc:Fallback>
+          <p:pic>
+            <p:nvPicPr>
+              <p:cNvPr id="7" name="Viết tay 6">
+                <a:extLst>
+                  <a:ext uri="{FF2B5EF4-FFF2-40B4-BE49-F238E27FC236}">
+                    <a16:creationId xmlns:a16="http://schemas.microsoft.com/office/drawing/2014/main" id="{7B58A253-6E77-84EF-850C-70FEA889D224}"/>
+                  </a:ext>
+                </a:extLst>
+              </p:cNvPr>
+              <p:cNvPicPr/>
+              <p:nvPr/>
+            </p:nvPicPr>
+            <p:blipFill>
+              <a:blip r:embed="rId7"/>
+              <a:stretch>
+                <a:fillRect/>
+              </a:stretch>
+            </p:blipFill>
+            <p:spPr>
+              <a:xfrm>
+                <a:off x="4180557" y="2664620"/>
+                <a:ext cx="1607760" cy="151560"/>
+              </a:xfrm>
+              <a:prstGeom prst="rect">
+                <a:avLst/>
+              </a:prstGeom>
+            </p:spPr>
+          </p:pic>
+        </mc:Fallback>
+      </mc:AlternateContent>
+      <mc:AlternateContent xmlns:mc="http://schemas.openxmlformats.org/markup-compatibility/2006">
+        <mc:Choice xmlns:p14="http://schemas.microsoft.com/office/powerpoint/2010/main" Requires="p14">
+          <p:contentPart p14:bwMode="auto" r:id="rId8">
+            <p14:nvContentPartPr>
+              <p14:cNvPr id="8" name="Viết tay 7">
+                <a:extLst>
+                  <a:ext uri="{FF2B5EF4-FFF2-40B4-BE49-F238E27FC236}">
+                    <a16:creationId xmlns:a16="http://schemas.microsoft.com/office/drawing/2014/main" id="{AAC2590C-2078-ACF9-017A-A38EA110D3F4}"/>
+                  </a:ext>
+                </a:extLst>
+              </p14:cNvPr>
+              <p14:cNvContentPartPr/>
+              <p14:nvPr/>
+            </p14:nvContentPartPr>
+            <p14:xfrm>
+              <a:off x="10613757" y="3067100"/>
+              <a:ext cx="369360" cy="360"/>
+            </p14:xfrm>
+          </p:contentPart>
+        </mc:Choice>
+        <mc:Fallback>
+          <p:pic>
+            <p:nvPicPr>
+              <p:cNvPr id="8" name="Viết tay 7">
+                <a:extLst>
+                  <a:ext uri="{FF2B5EF4-FFF2-40B4-BE49-F238E27FC236}">
+                    <a16:creationId xmlns:a16="http://schemas.microsoft.com/office/drawing/2014/main" id="{AAC2590C-2078-ACF9-017A-A38EA110D3F4}"/>
+                  </a:ext>
+                </a:extLst>
+              </p:cNvPr>
+              <p:cNvPicPr/>
+              <p:nvPr/>
+            </p:nvPicPr>
+            <p:blipFill>
+              <a:blip r:embed="rId9"/>
+              <a:stretch>
+                <a:fillRect/>
+              </a:stretch>
+            </p:blipFill>
+            <p:spPr>
+              <a:xfrm>
+                <a:off x="10605117" y="3058100"/>
+                <a:ext cx="387000" cy="18000"/>
+              </a:xfrm>
+              <a:prstGeom prst="rect">
+                <a:avLst/>
+              </a:prstGeom>
+            </p:spPr>
+          </p:pic>
+        </mc:Fallback>
+      </mc:AlternateContent>
+      <mc:AlternateContent xmlns:mc="http://schemas.openxmlformats.org/markup-compatibility/2006">
+        <mc:Choice xmlns:p14="http://schemas.microsoft.com/office/powerpoint/2010/main" Requires="p14">
+          <p:contentPart p14:bwMode="auto" r:id="rId10">
+            <p14:nvContentPartPr>
+              <p14:cNvPr id="9" name="Viết tay 8">
+                <a:extLst>
+                  <a:ext uri="{FF2B5EF4-FFF2-40B4-BE49-F238E27FC236}">
+                    <a16:creationId xmlns:a16="http://schemas.microsoft.com/office/drawing/2014/main" id="{9334720B-A42F-A60B-3D8B-EEE1EC80AC77}"/>
+                  </a:ext>
+                </a:extLst>
+              </p14:cNvPr>
+              <p14:cNvContentPartPr/>
+              <p14:nvPr/>
+            </p14:nvContentPartPr>
+            <p14:xfrm>
+              <a:off x="1214877" y="3460220"/>
+              <a:ext cx="1319040" cy="108720"/>
+            </p14:xfrm>
+          </p:contentPart>
+        </mc:Choice>
+        <mc:Fallback>
+          <p:pic>
+            <p:nvPicPr>
+              <p:cNvPr id="9" name="Viết tay 8">
+                <a:extLst>
+                  <a:ext uri="{FF2B5EF4-FFF2-40B4-BE49-F238E27FC236}">
+                    <a16:creationId xmlns:a16="http://schemas.microsoft.com/office/drawing/2014/main" id="{9334720B-A42F-A60B-3D8B-EEE1EC80AC77}"/>
+                  </a:ext>
+                </a:extLst>
+              </p:cNvPr>
+              <p:cNvPicPr/>
+              <p:nvPr/>
+            </p:nvPicPr>
+            <p:blipFill>
+              <a:blip r:embed="rId11"/>
+              <a:stretch>
+                <a:fillRect/>
+              </a:stretch>
+            </p:blipFill>
+            <p:spPr>
+              <a:xfrm>
+                <a:off x="1205877" y="3451580"/>
+                <a:ext cx="1336680" cy="126360"/>
+              </a:xfrm>
+              <a:prstGeom prst="rect">
+                <a:avLst/>
+              </a:prstGeom>
+            </p:spPr>
+          </p:pic>
+        </mc:Fallback>
+      </mc:AlternateContent>
     </p:spTree>
     <p:extLst>
       <p:ext uri="{BB962C8B-B14F-4D97-AF65-F5344CB8AC3E}">
